--- a/AOS2024_YaoZhang.pptx
+++ b/AOS2024_YaoZhang.pptx
@@ -5,7 +5,7 @@
     <p:sldMasterId id="2147483648" r:id="rId1"/>
   </p:sldMasterIdLst>
   <p:notesMasterIdLst>
-    <p:notesMasterId r:id="rId43"/>
+    <p:notesMasterId r:id="rId44"/>
   </p:notesMasterIdLst>
   <p:sldIdLst>
     <p:sldId id="256" r:id="rId2"/>
@@ -35,20 +35,21 @@
     <p:sldId id="283" r:id="rId26"/>
     <p:sldId id="299" r:id="rId27"/>
     <p:sldId id="285" r:id="rId28"/>
-    <p:sldId id="282" r:id="rId29"/>
-    <p:sldId id="280" r:id="rId30"/>
-    <p:sldId id="289" r:id="rId31"/>
-    <p:sldId id="300" r:id="rId32"/>
-    <p:sldId id="287" r:id="rId33"/>
-    <p:sldId id="302" r:id="rId34"/>
-    <p:sldId id="288" r:id="rId35"/>
-    <p:sldId id="281" r:id="rId36"/>
-    <p:sldId id="291" r:id="rId37"/>
-    <p:sldId id="294" r:id="rId38"/>
-    <p:sldId id="290" r:id="rId39"/>
-    <p:sldId id="292" r:id="rId40"/>
-    <p:sldId id="293" r:id="rId41"/>
-    <p:sldId id="295" r:id="rId42"/>
+    <p:sldId id="305" r:id="rId29"/>
+    <p:sldId id="282" r:id="rId30"/>
+    <p:sldId id="280" r:id="rId31"/>
+    <p:sldId id="289" r:id="rId32"/>
+    <p:sldId id="300" r:id="rId33"/>
+    <p:sldId id="287" r:id="rId34"/>
+    <p:sldId id="302" r:id="rId35"/>
+    <p:sldId id="288" r:id="rId36"/>
+    <p:sldId id="281" r:id="rId37"/>
+    <p:sldId id="291" r:id="rId38"/>
+    <p:sldId id="294" r:id="rId39"/>
+    <p:sldId id="290" r:id="rId40"/>
+    <p:sldId id="292" r:id="rId41"/>
+    <p:sldId id="293" r:id="rId42"/>
+    <p:sldId id="295" r:id="rId43"/>
   </p:sldIdLst>
   <p:sldSz cx="12192000" cy="6858000"/>
   <p:notesSz cx="6858000" cy="9144000"/>
@@ -237,7 +238,7 @@
           <a:p>
             <a:fld id="{8CD48CC0-4873-4901-8E1B-F6C03343CCD2}" type="datetimeFigureOut">
               <a:rPr lang="en-US" smtClean="0"/>
-              <a:t>3/17/2024</a:t>
+              <a:t>3/19/2024</a:t>
             </a:fld>
             <a:endParaRPr lang="en-US"/>
           </a:p>
@@ -654,7 +655,7 @@
           <a:p>
             <a:fld id="{C7EDD0E5-77C4-48A3-A8BA-D04362F3F708}" type="datetime1">
               <a:rPr lang="en-US" smtClean="0"/>
-              <a:t>3/17/2024</a:t>
+              <a:t>3/19/2024</a:t>
             </a:fld>
             <a:endParaRPr lang="en-US"/>
           </a:p>
@@ -854,7 +855,7 @@
           <a:p>
             <a:fld id="{78CB90C0-1F97-4D07-A011-6B24BCBA4F72}" type="datetime1">
               <a:rPr lang="en-US" smtClean="0"/>
-              <a:t>3/17/2024</a:t>
+              <a:t>3/19/2024</a:t>
             </a:fld>
             <a:endParaRPr lang="en-US"/>
           </a:p>
@@ -1064,7 +1065,7 @@
           <a:p>
             <a:fld id="{CCF01A42-1E2F-4B45-B1A2-EC48FE449316}" type="datetime1">
               <a:rPr lang="en-US" smtClean="0"/>
-              <a:t>3/17/2024</a:t>
+              <a:t>3/19/2024</a:t>
             </a:fld>
             <a:endParaRPr lang="en-US"/>
           </a:p>
@@ -1264,7 +1265,7 @@
           <a:p>
             <a:fld id="{A0C0160C-C5B4-407C-970E-9779E84856EE}" type="datetime1">
               <a:rPr lang="en-US" smtClean="0"/>
-              <a:t>3/17/2024</a:t>
+              <a:t>3/19/2024</a:t>
             </a:fld>
             <a:endParaRPr lang="en-US"/>
           </a:p>
@@ -1540,7 +1541,7 @@
           <a:p>
             <a:fld id="{824D03D9-11F5-4FDD-B175-E072B3558D32}" type="datetime1">
               <a:rPr lang="en-US" smtClean="0"/>
-              <a:t>3/17/2024</a:t>
+              <a:t>3/19/2024</a:t>
             </a:fld>
             <a:endParaRPr lang="en-US"/>
           </a:p>
@@ -1808,7 +1809,7 @@
           <a:p>
             <a:fld id="{36E70C92-48B4-427A-9B78-B746DAB393AC}" type="datetime1">
               <a:rPr lang="en-US" smtClean="0"/>
-              <a:t>3/17/2024</a:t>
+              <a:t>3/19/2024</a:t>
             </a:fld>
             <a:endParaRPr lang="en-US"/>
           </a:p>
@@ -2223,7 +2224,7 @@
           <a:p>
             <a:fld id="{F420FC0D-CA32-4C0F-94BF-A507E49E75DB}" type="datetime1">
               <a:rPr lang="en-US" smtClean="0"/>
-              <a:t>3/17/2024</a:t>
+              <a:t>3/19/2024</a:t>
             </a:fld>
             <a:endParaRPr lang="en-US"/>
           </a:p>
@@ -2365,7 +2366,7 @@
           <a:p>
             <a:fld id="{110144D0-CB5B-45AD-81F5-1379DB7A0B89}" type="datetime1">
               <a:rPr lang="en-US" smtClean="0"/>
-              <a:t>3/17/2024</a:t>
+              <a:t>3/19/2024</a:t>
             </a:fld>
             <a:endParaRPr lang="en-US"/>
           </a:p>
@@ -2478,7 +2479,7 @@
           <a:p>
             <a:fld id="{1588DEFA-C76A-4F3F-B2C5-F6CC00F86852}" type="datetime1">
               <a:rPr lang="en-US" smtClean="0"/>
-              <a:t>3/17/2024</a:t>
+              <a:t>3/19/2024</a:t>
             </a:fld>
             <a:endParaRPr lang="en-US"/>
           </a:p>
@@ -2791,7 +2792,7 @@
           <a:p>
             <a:fld id="{3007F95B-6620-4D3C-AD0B-813D71891240}" type="datetime1">
               <a:rPr lang="en-US" smtClean="0"/>
-              <a:t>3/17/2024</a:t>
+              <a:t>3/19/2024</a:t>
             </a:fld>
             <a:endParaRPr lang="en-US"/>
           </a:p>
@@ -3080,7 +3081,7 @@
           <a:p>
             <a:fld id="{9D34B1F1-E09D-443D-B98B-7280AC1BBE2F}" type="datetime1">
               <a:rPr lang="en-US" smtClean="0"/>
-              <a:t>3/17/2024</a:t>
+              <a:t>3/19/2024</a:t>
             </a:fld>
             <a:endParaRPr lang="en-US"/>
           </a:p>
@@ -3323,7 +3324,7 @@
           <a:p>
             <a:fld id="{30AE53CE-0E0B-4CF4-B057-D64303835B26}" type="datetime1">
               <a:rPr lang="en-US" smtClean="0"/>
-              <a:t>3/17/2024</a:t>
+              <a:t>3/19/2024</a:t>
             </a:fld>
             <a:endParaRPr lang="en-US"/>
           </a:p>
@@ -4321,7 +4322,7 @@
             </a:pPr>
             <a:r>
               <a:rPr lang="en-US" sz="2800" dirty="0"/>
-              <a:t>A book written at around 6-7 CE </a:t>
+              <a:t>A book written at around 6-7 cent. CE</a:t>
             </a:r>
           </a:p>
           <a:p>
@@ -4993,7 +4994,7 @@
             </a:pPr>
             <a:r>
               <a:rPr lang="en-US" sz="2800" dirty="0"/>
-              <a:t>Ginger has nothing special to be separated from other common vegetables.</a:t>
+              <a:t>Ginger has nothing special which separates it from other common vegetables.</a:t>
             </a:r>
           </a:p>
         </p:txBody>
@@ -6607,6 +6608,28 @@
             <a:endParaRPr lang="en-US" i="1" dirty="0"/>
           </a:p>
           <a:p>
+            <a:endParaRPr lang="en-US" i="1" dirty="0"/>
+          </a:p>
+          <a:p>
+            <a:pPr marL="0" indent="0">
+              <a:buNone/>
+            </a:pPr>
+            <a:r>
+              <a:rPr lang="en-US" dirty="0"/>
+              <a:t>(For all the examples and the slides, see </a:t>
+            </a:r>
+            <a:r>
+              <a:rPr lang="en-US" dirty="0">
+                <a:hlinkClick r:id="rId2"/>
+              </a:rPr>
+              <a:t>https://github.com/Yeheyinyan/AOS234_Talk_YaoZhang.git</a:t>
+            </a:r>
+            <a:r>
+              <a:rPr lang="en-US" dirty="0"/>
+              <a:t>)</a:t>
+            </a:r>
+          </a:p>
+          <a:p>
             <a:pPr marL="0" indent="0">
               <a:buNone/>
             </a:pPr>
@@ -8544,7 +8567,7 @@
                 <a:latin typeface="宋体" panose="02010600030101010101" pitchFamily="2" charset="-122"/>
                 <a:ea typeface="宋体" panose="02010600030101010101" pitchFamily="2" charset="-122"/>
               </a:rPr>
-              <a:t>壃≈   </a:t>
+              <a:t>壃≈  </a:t>
             </a:r>
             <a:r>
               <a:rPr lang="en-US" altLang="zh-CN" dirty="0">
@@ -8705,7 +8728,7 @@
         </p:blipFill>
         <p:spPr>
           <a:xfrm>
-            <a:off x="6817081" y="3117994"/>
+            <a:off x="6185485" y="3066751"/>
             <a:ext cx="544938" cy="934543"/>
           </a:xfrm>
           <a:prstGeom prst="rect">
@@ -8795,7 +8818,7 @@
         </p:blipFill>
         <p:spPr>
           <a:xfrm>
-            <a:off x="3877803" y="5296747"/>
+            <a:off x="3708120" y="5261280"/>
             <a:ext cx="533941" cy="915683"/>
           </a:xfrm>
           <a:prstGeom prst="rect">
@@ -8832,8 +8855,8 @@
         </p:blipFill>
         <p:spPr bwMode="auto">
           <a:xfrm>
-            <a:off x="3130394" y="5460215"/>
-            <a:ext cx="373389" cy="360362"/>
+            <a:off x="3036125" y="5409538"/>
+            <a:ext cx="357523" cy="345050"/>
           </a:xfrm>
           <a:prstGeom prst="rect">
             <a:avLst/>
@@ -9463,10 +9486,10 @@
       </p:pic>
       <p:pic>
         <p:nvPicPr>
-          <p:cNvPr id="2" name="图片 1">
-            <a:extLst>
-              <a:ext uri="{FF2B5EF4-FFF2-40B4-BE49-F238E27FC236}">
-                <a16:creationId xmlns:a16="http://schemas.microsoft.com/office/drawing/2014/main" id="{9A25FF9A-D6C7-4B19-9961-EE6744559BC6}"/>
+          <p:cNvPr id="6" name="图片 5">
+            <a:extLst>
+              <a:ext uri="{FF2B5EF4-FFF2-40B4-BE49-F238E27FC236}">
+                <a16:creationId xmlns:a16="http://schemas.microsoft.com/office/drawing/2014/main" id="{4DE45089-16D5-4241-B399-7F5CF51EA0A2}"/>
               </a:ext>
             </a:extLst>
           </p:cNvPr>
@@ -9483,8 +9506,8 @@
         </p:blipFill>
         <p:spPr>
           <a:xfrm>
-            <a:off x="1307257" y="1921589"/>
-            <a:ext cx="10369337" cy="2373294"/>
+            <a:off x="1166015" y="1950415"/>
+            <a:ext cx="9938760" cy="2374667"/>
           </a:xfrm>
           <a:prstGeom prst="rect">
             <a:avLst/>
@@ -9493,10 +9516,10 @@
       </p:pic>
       <p:pic>
         <p:nvPicPr>
-          <p:cNvPr id="5" name="图片 4">
-            <a:extLst>
-              <a:ext uri="{FF2B5EF4-FFF2-40B4-BE49-F238E27FC236}">
-                <a16:creationId xmlns:a16="http://schemas.microsoft.com/office/drawing/2014/main" id="{0E34AC28-F9CC-480E-B69C-58744404EE60}"/>
+          <p:cNvPr id="7" name="图片 6">
+            <a:extLst>
+              <a:ext uri="{FF2B5EF4-FFF2-40B4-BE49-F238E27FC236}">
+                <a16:creationId xmlns:a16="http://schemas.microsoft.com/office/drawing/2014/main" id="{97C8FBB9-3990-446E-B2E7-BFBE3FD25721}"/>
               </a:ext>
             </a:extLst>
           </p:cNvPr>
@@ -9513,8 +9536,8 @@
         </p:blipFill>
         <p:spPr>
           <a:xfrm>
-            <a:off x="1307257" y="4467531"/>
-            <a:ext cx="10693065" cy="1716171"/>
+            <a:off x="1166015" y="4448284"/>
+            <a:ext cx="9887011" cy="2273191"/>
           </a:xfrm>
           <a:prstGeom prst="rect">
             <a:avLst/>
@@ -9524,7 +9547,7 @@
     </p:spTree>
     <p:extLst>
       <p:ext uri="{BB962C8B-B14F-4D97-AF65-F5344CB8AC3E}">
-        <p14:creationId xmlns:p14="http://schemas.microsoft.com/office/powerpoint/2010/main" val="2020269377"/>
+        <p14:creationId xmlns:p14="http://schemas.microsoft.com/office/powerpoint/2010/main" val="3925034794"/>
       </p:ext>
     </p:extLst>
   </p:cSld>
@@ -9553,6 +9576,493 @@
       </p:grpSpPr>
       <p:sp>
         <p:nvSpPr>
+          <p:cNvPr id="3" name="内容占位符 2">
+            <a:extLst>
+              <a:ext uri="{FF2B5EF4-FFF2-40B4-BE49-F238E27FC236}">
+                <a16:creationId xmlns:a16="http://schemas.microsoft.com/office/drawing/2014/main" id="{1A6CEF60-FB72-47B2-8F2D-74288D6E4050}"/>
+              </a:ext>
+            </a:extLst>
+          </p:cNvPr>
+          <p:cNvSpPr>
+            <a:spLocks noGrp="1"/>
+          </p:cNvSpPr>
+          <p:nvPr>
+            <p:ph idx="1"/>
+          </p:nvPr>
+        </p:nvSpPr>
+        <p:spPr>
+          <a:xfrm>
+            <a:off x="656808" y="1420048"/>
+            <a:ext cx="11343514" cy="5301427"/>
+          </a:xfrm>
+        </p:spPr>
+        <p:txBody>
+          <a:bodyPr>
+            <a:normAutofit/>
+          </a:bodyPr>
+          <a:lstStyle/>
+          <a:p>
+            <a:pPr marL="0" indent="0">
+              <a:lnSpc>
+                <a:spcPct val="100000"/>
+              </a:lnSpc>
+              <a:buNone/>
+            </a:pPr>
+            <a:r>
+              <a:rPr lang="en-US" altLang="zh-CN" dirty="0"/>
+              <a:t> Variant in parallel Buddhist texts</a:t>
+            </a:r>
+          </a:p>
+          <a:p>
+            <a:pPr marL="0" indent="0">
+              <a:lnSpc>
+                <a:spcPct val="100000"/>
+              </a:lnSpc>
+              <a:buNone/>
+            </a:pPr>
+            <a:r>
+              <a:rPr lang="en-US" dirty="0"/>
+              <a:t>c.</a:t>
+            </a:r>
+          </a:p>
+          <a:p>
+            <a:pPr marL="0" indent="0">
+              <a:lnSpc>
+                <a:spcPct val="100000"/>
+              </a:lnSpc>
+              <a:buNone/>
+            </a:pPr>
+            <a:endParaRPr lang="en-US" dirty="0"/>
+          </a:p>
+          <a:p>
+            <a:pPr marL="0" indent="0">
+              <a:lnSpc>
+                <a:spcPct val="100000"/>
+              </a:lnSpc>
+              <a:buNone/>
+            </a:pPr>
+            <a:endParaRPr lang="en-US" dirty="0"/>
+          </a:p>
+          <a:p>
+            <a:pPr marL="0" indent="0">
+              <a:lnSpc>
+                <a:spcPct val="100000"/>
+              </a:lnSpc>
+              <a:buNone/>
+            </a:pPr>
+            <a:endParaRPr lang="en-US" dirty="0"/>
+          </a:p>
+          <a:p>
+            <a:pPr marL="0" indent="0">
+              <a:lnSpc>
+                <a:spcPct val="100000"/>
+              </a:lnSpc>
+              <a:buNone/>
+            </a:pPr>
+            <a:endParaRPr lang="en-US" dirty="0"/>
+          </a:p>
+          <a:p>
+            <a:pPr marL="0" indent="0">
+              <a:lnSpc>
+                <a:spcPct val="100000"/>
+              </a:lnSpc>
+              <a:buNone/>
+            </a:pPr>
+            <a:r>
+              <a:rPr lang="en-US" dirty="0"/>
+              <a:t>d. </a:t>
+            </a:r>
+          </a:p>
+          <a:p>
+            <a:pPr marL="0" indent="0">
+              <a:lnSpc>
+                <a:spcPct val="100000"/>
+              </a:lnSpc>
+              <a:buNone/>
+            </a:pPr>
+            <a:endParaRPr lang="en-US" dirty="0"/>
+          </a:p>
+          <a:p>
+            <a:pPr marL="0" indent="0">
+              <a:lnSpc>
+                <a:spcPct val="100000"/>
+              </a:lnSpc>
+              <a:buNone/>
+            </a:pPr>
+            <a:endParaRPr lang="en-US" dirty="0"/>
+          </a:p>
+          <a:p>
+            <a:pPr marL="0" indent="0">
+              <a:buNone/>
+            </a:pPr>
+            <a:endParaRPr lang="en-US" dirty="0"/>
+          </a:p>
+        </p:txBody>
+      </p:sp>
+      <p:sp>
+        <p:nvSpPr>
+          <p:cNvPr id="4" name="灯片编号占位符 3">
+            <a:extLst>
+              <a:ext uri="{FF2B5EF4-FFF2-40B4-BE49-F238E27FC236}">
+                <a16:creationId xmlns:a16="http://schemas.microsoft.com/office/drawing/2014/main" id="{C5058332-3D3A-4763-AD7E-34F039945623}"/>
+              </a:ext>
+            </a:extLst>
+          </p:cNvPr>
+          <p:cNvSpPr>
+            <a:spLocks noGrp="1"/>
+          </p:cNvSpPr>
+          <p:nvPr>
+            <p:ph type="sldNum" sz="quarter" idx="12"/>
+          </p:nvPr>
+        </p:nvSpPr>
+        <p:spPr/>
+        <p:txBody>
+          <a:bodyPr/>
+          <a:lstStyle/>
+          <a:p>
+            <a:fld id="{2FF645F2-2BCF-43E8-82A0-F1B53C34D3C8}" type="slidenum">
+              <a:rPr lang="en-US" smtClean="0"/>
+              <a:t>29</a:t>
+            </a:fld>
+            <a:endParaRPr lang="en-US"/>
+          </a:p>
+        </p:txBody>
+      </p:sp>
+      <p:sp>
+        <p:nvSpPr>
+          <p:cNvPr id="9" name="标题 1">
+            <a:extLst>
+              <a:ext uri="{FF2B5EF4-FFF2-40B4-BE49-F238E27FC236}">
+                <a16:creationId xmlns:a16="http://schemas.microsoft.com/office/drawing/2014/main" id="{5C005353-337B-46E6-A1BE-AC47DAB83CC1}"/>
+              </a:ext>
+            </a:extLst>
+          </p:cNvPr>
+          <p:cNvSpPr>
+            <a:spLocks noGrp="1"/>
+          </p:cNvSpPr>
+          <p:nvPr>
+            <p:ph type="title"/>
+          </p:nvPr>
+        </p:nvSpPr>
+        <p:spPr>
+          <a:xfrm>
+            <a:off x="838200" y="365125"/>
+            <a:ext cx="10515600" cy="1325563"/>
+          </a:xfrm>
+        </p:spPr>
+        <p:txBody>
+          <a:bodyPr/>
+          <a:lstStyle/>
+          <a:p>
+            <a:r>
+              <a:rPr lang="en-US" dirty="0"/>
+              <a:t>Contextual interpretation:     </a:t>
+            </a:r>
+            <a:r>
+              <a:rPr lang="zh-CN" altLang="en-US" dirty="0">
+                <a:latin typeface="宋体" panose="02010600030101010101" pitchFamily="2" charset="-122"/>
+                <a:ea typeface="宋体" panose="02010600030101010101" pitchFamily="2" charset="-122"/>
+              </a:rPr>
+              <a:t>√     </a:t>
+            </a:r>
+            <a:r>
+              <a:rPr lang="en-US" altLang="zh-CN" dirty="0">
+                <a:latin typeface="宋体" panose="02010600030101010101" pitchFamily="2" charset="-122"/>
+                <a:ea typeface="宋体" panose="02010600030101010101" pitchFamily="2" charset="-122"/>
+              </a:rPr>
+              <a:t>×</a:t>
+            </a:r>
+            <a:endParaRPr lang="en-US" dirty="0">
+              <a:latin typeface="宋体" panose="02010600030101010101" pitchFamily="2" charset="-122"/>
+              <a:ea typeface="宋体" panose="02010600030101010101" pitchFamily="2" charset="-122"/>
+            </a:endParaRPr>
+          </a:p>
+        </p:txBody>
+      </p:sp>
+      <p:pic>
+        <p:nvPicPr>
+          <p:cNvPr id="10" name="图片 9">
+            <a:extLst>
+              <a:ext uri="{FF2B5EF4-FFF2-40B4-BE49-F238E27FC236}">
+                <a16:creationId xmlns:a16="http://schemas.microsoft.com/office/drawing/2014/main" id="{5FE1FCC3-1994-4667-8235-564C820EBBAC}"/>
+              </a:ext>
+            </a:extLst>
+          </p:cNvPr>
+          <p:cNvPicPr>
+            <a:picLocks noChangeAspect="1"/>
+          </p:cNvPicPr>
+          <p:nvPr/>
+        </p:nvPicPr>
+        <p:blipFill>
+          <a:blip r:embed="rId2"/>
+          <a:stretch>
+            <a:fillRect/>
+          </a:stretch>
+        </p:blipFill>
+        <p:spPr>
+          <a:xfrm>
+            <a:off x="6855840" y="485505"/>
+            <a:ext cx="544938" cy="934543"/>
+          </a:xfrm>
+          <a:prstGeom prst="rect">
+            <a:avLst/>
+          </a:prstGeom>
+        </p:spPr>
+      </p:pic>
+      <p:pic>
+        <p:nvPicPr>
+          <p:cNvPr id="11" name="图片 10">
+            <a:extLst>
+              <a:ext uri="{FF2B5EF4-FFF2-40B4-BE49-F238E27FC236}">
+                <a16:creationId xmlns:a16="http://schemas.microsoft.com/office/drawing/2014/main" id="{D197915E-00E5-42D8-BEE0-D9E5AC7032B9}"/>
+              </a:ext>
+            </a:extLst>
+          </p:cNvPr>
+          <p:cNvPicPr>
+            <a:picLocks noChangeAspect="1"/>
+          </p:cNvPicPr>
+          <p:nvPr/>
+        </p:nvPicPr>
+        <p:blipFill>
+          <a:blip r:embed="rId3"/>
+          <a:stretch>
+            <a:fillRect/>
+          </a:stretch>
+        </p:blipFill>
+        <p:spPr>
+          <a:xfrm>
+            <a:off x="8175110" y="532308"/>
+            <a:ext cx="1111510" cy="844748"/>
+          </a:xfrm>
+          <a:prstGeom prst="rect">
+            <a:avLst/>
+          </a:prstGeom>
+        </p:spPr>
+      </p:pic>
+      <p:pic>
+        <p:nvPicPr>
+          <p:cNvPr id="6" name="图片 5">
+            <a:extLst>
+              <a:ext uri="{FF2B5EF4-FFF2-40B4-BE49-F238E27FC236}">
+                <a16:creationId xmlns:a16="http://schemas.microsoft.com/office/drawing/2014/main" id="{9126E17A-9124-41AE-9B67-66883C2BB276}"/>
+              </a:ext>
+            </a:extLst>
+          </p:cNvPr>
+          <p:cNvPicPr>
+            <a:picLocks noChangeAspect="1"/>
+          </p:cNvPicPr>
+          <p:nvPr/>
+        </p:nvPicPr>
+        <p:blipFill>
+          <a:blip r:embed="rId4"/>
+          <a:stretch>
+            <a:fillRect/>
+          </a:stretch>
+        </p:blipFill>
+        <p:spPr>
+          <a:xfrm>
+            <a:off x="1003611" y="1883598"/>
+            <a:ext cx="10429875" cy="1724025"/>
+          </a:xfrm>
+          <a:prstGeom prst="rect">
+            <a:avLst/>
+          </a:prstGeom>
+        </p:spPr>
+      </p:pic>
+      <p:pic>
+        <p:nvPicPr>
+          <p:cNvPr id="7" name="图片 6">
+            <a:extLst>
+              <a:ext uri="{FF2B5EF4-FFF2-40B4-BE49-F238E27FC236}">
+                <a16:creationId xmlns:a16="http://schemas.microsoft.com/office/drawing/2014/main" id="{02090542-D17B-4FF5-A385-667565D961F4}"/>
+              </a:ext>
+            </a:extLst>
+          </p:cNvPr>
+          <p:cNvPicPr>
+            <a:picLocks noChangeAspect="1"/>
+          </p:cNvPicPr>
+          <p:nvPr/>
+        </p:nvPicPr>
+        <p:blipFill>
+          <a:blip r:embed="rId5"/>
+          <a:stretch>
+            <a:fillRect/>
+          </a:stretch>
+        </p:blipFill>
+        <p:spPr>
+          <a:xfrm>
+            <a:off x="1095792" y="4439415"/>
+            <a:ext cx="10439400" cy="1809750"/>
+          </a:xfrm>
+          <a:prstGeom prst="rect">
+            <a:avLst/>
+          </a:prstGeom>
+        </p:spPr>
+      </p:pic>
+    </p:spTree>
+    <p:extLst>
+      <p:ext uri="{BB962C8B-B14F-4D97-AF65-F5344CB8AC3E}">
+        <p14:creationId xmlns:p14="http://schemas.microsoft.com/office/powerpoint/2010/main" val="2020269377"/>
+      </p:ext>
+    </p:extLst>
+  </p:cSld>
+  <p:clrMapOvr>
+    <a:masterClrMapping/>
+  </p:clrMapOvr>
+</p:sld>
+</file>
+
+<file path=ppt/slides/slide3.xml><?xml version="1.0" encoding="utf-8"?>
+<p:sld xmlns:a="http://schemas.openxmlformats.org/drawingml/2006/main" xmlns:r="http://schemas.openxmlformats.org/officeDocument/2006/relationships" xmlns:p="http://schemas.openxmlformats.org/presentationml/2006/main">
+  <p:cSld>
+    <p:spTree>
+      <p:nvGrpSpPr>
+        <p:cNvPr id="1" name=""/>
+        <p:cNvGrpSpPr/>
+        <p:nvPr/>
+      </p:nvGrpSpPr>
+      <p:grpSpPr>
+        <a:xfrm>
+          <a:off x="0" y="0"/>
+          <a:ext cx="0" cy="0"/>
+          <a:chOff x="0" y="0"/>
+          <a:chExt cx="0" cy="0"/>
+        </a:xfrm>
+      </p:grpSpPr>
+      <p:sp>
+        <p:nvSpPr>
+          <p:cNvPr id="2" name="标题 1">
+            <a:extLst>
+              <a:ext uri="{FF2B5EF4-FFF2-40B4-BE49-F238E27FC236}">
+                <a16:creationId xmlns:a16="http://schemas.microsoft.com/office/drawing/2014/main" id="{B7F16A78-981C-4EF7-9830-67FDF7CF2E04}"/>
+              </a:ext>
+            </a:extLst>
+          </p:cNvPr>
+          <p:cNvSpPr>
+            <a:spLocks noGrp="1"/>
+          </p:cNvSpPr>
+          <p:nvPr>
+            <p:ph type="title"/>
+          </p:nvPr>
+        </p:nvSpPr>
+        <p:spPr/>
+        <p:txBody>
+          <a:bodyPr/>
+          <a:lstStyle/>
+          <a:p>
+            <a:endParaRPr lang="en-US" dirty="0"/>
+          </a:p>
+        </p:txBody>
+      </p:sp>
+      <p:sp>
+        <p:nvSpPr>
+          <p:cNvPr id="3" name="内容占位符 2">
+            <a:extLst>
+              <a:ext uri="{FF2B5EF4-FFF2-40B4-BE49-F238E27FC236}">
+                <a16:creationId xmlns:a16="http://schemas.microsoft.com/office/drawing/2014/main" id="{2DD31B0D-32ED-44CC-A78D-FF3BD2C1E6EE}"/>
+              </a:ext>
+            </a:extLst>
+          </p:cNvPr>
+          <p:cNvSpPr>
+            <a:spLocks noGrp="1"/>
+          </p:cNvSpPr>
+          <p:nvPr>
+            <p:ph idx="1"/>
+          </p:nvPr>
+        </p:nvSpPr>
+        <p:spPr/>
+        <p:txBody>
+          <a:bodyPr>
+            <a:normAutofit/>
+          </a:bodyPr>
+          <a:lstStyle/>
+          <a:p>
+            <a:pPr marL="0" indent="0" algn="ctr">
+              <a:buNone/>
+            </a:pPr>
+            <a:endParaRPr lang="en-US" sz="4800" dirty="0"/>
+          </a:p>
+          <a:p>
+            <a:pPr marL="0" indent="0" algn="ctr">
+              <a:buNone/>
+            </a:pPr>
+            <a:r>
+              <a:rPr lang="en-US" sz="4800" dirty="0"/>
+              <a:t>General problem </a:t>
+            </a:r>
+          </a:p>
+          <a:p>
+            <a:pPr marL="0" indent="0" algn="ctr">
+              <a:buNone/>
+            </a:pPr>
+            <a:r>
+              <a:rPr lang="en-US" sz="4800" dirty="0"/>
+              <a:t>in Middle Chinese philology</a:t>
+            </a:r>
+          </a:p>
+        </p:txBody>
+      </p:sp>
+      <p:sp>
+        <p:nvSpPr>
+          <p:cNvPr id="4" name="灯片编号占位符 3">
+            <a:extLst>
+              <a:ext uri="{FF2B5EF4-FFF2-40B4-BE49-F238E27FC236}">
+                <a16:creationId xmlns:a16="http://schemas.microsoft.com/office/drawing/2014/main" id="{9AD44C4B-7520-4E89-BC05-0E5CD767A134}"/>
+              </a:ext>
+            </a:extLst>
+          </p:cNvPr>
+          <p:cNvSpPr>
+            <a:spLocks noGrp="1"/>
+          </p:cNvSpPr>
+          <p:nvPr>
+            <p:ph type="sldNum" sz="quarter" idx="12"/>
+          </p:nvPr>
+        </p:nvSpPr>
+        <p:spPr/>
+        <p:txBody>
+          <a:bodyPr/>
+          <a:lstStyle/>
+          <a:p>
+            <a:fld id="{2FF645F2-2BCF-43E8-82A0-F1B53C34D3C8}" type="slidenum">
+              <a:rPr lang="en-US" smtClean="0"/>
+              <a:t>3</a:t>
+            </a:fld>
+            <a:endParaRPr lang="en-US"/>
+          </a:p>
+        </p:txBody>
+      </p:sp>
+    </p:spTree>
+    <p:extLst>
+      <p:ext uri="{BB962C8B-B14F-4D97-AF65-F5344CB8AC3E}">
+        <p14:creationId xmlns:p14="http://schemas.microsoft.com/office/powerpoint/2010/main" val="3398524227"/>
+      </p:ext>
+    </p:extLst>
+  </p:cSld>
+  <p:clrMapOvr>
+    <a:masterClrMapping/>
+  </p:clrMapOvr>
+</p:sld>
+</file>
+
+<file path=ppt/slides/slide30.xml><?xml version="1.0" encoding="utf-8"?>
+<p:sld xmlns:a="http://schemas.openxmlformats.org/drawingml/2006/main" xmlns:r="http://schemas.openxmlformats.org/officeDocument/2006/relationships" xmlns:p="http://schemas.openxmlformats.org/presentationml/2006/main">
+  <p:cSld>
+    <p:spTree>
+      <p:nvGrpSpPr>
+        <p:cNvPr id="1" name=""/>
+        <p:cNvGrpSpPr/>
+        <p:nvPr/>
+      </p:nvGrpSpPr>
+      <p:grpSpPr>
+        <a:xfrm>
+          <a:off x="0" y="0"/>
+          <a:ext cx="0" cy="0"/>
+          <a:chOff x="0" y="0"/>
+          <a:chExt cx="0" cy="0"/>
+        </a:xfrm>
+      </p:grpSpPr>
+      <p:sp>
+        <p:nvSpPr>
           <p:cNvPr id="2" name="标题 1">
             <a:extLst>
               <a:ext uri="{FF2B5EF4-FFF2-40B4-BE49-F238E27FC236}">
@@ -9660,6 +10170,10 @@
               <a:t>= Pali </a:t>
             </a:r>
             <a:r>
+              <a:rPr lang="en-US" altLang="zh-CN" i="1" dirty="0" err="1"/>
+              <a:t>s</a:t>
+            </a:r>
+            <a:r>
               <a:rPr lang="en-US" i="1" dirty="0" err="1"/>
               <a:t>iṅgivera</a:t>
             </a:r>
@@ -9723,7 +10237,7 @@
           <a:p>
             <a:fld id="{2FF645F2-2BCF-43E8-82A0-F1B53C34D3C8}" type="slidenum">
               <a:rPr lang="en-US" smtClean="0"/>
-              <a:t>29</a:t>
+              <a:t>30</a:t>
             </a:fld>
             <a:endParaRPr lang="en-US"/>
           </a:p>
@@ -9772,7 +10286,7 @@
 </p:sld>
 </file>
 
-<file path=ppt/slides/slide3.xml><?xml version="1.0" encoding="utf-8"?>
+<file path=ppt/slides/slide31.xml><?xml version="1.0" encoding="utf-8"?>
 <p:sld xmlns:a="http://schemas.openxmlformats.org/drawingml/2006/main" xmlns:r="http://schemas.openxmlformats.org/officeDocument/2006/relationships" xmlns:p="http://schemas.openxmlformats.org/presentationml/2006/main">
   <p:cSld>
     <p:spTree>
@@ -9794,7 +10308,7 @@
           <p:cNvPr id="2" name="标题 1">
             <a:extLst>
               <a:ext uri="{FF2B5EF4-FFF2-40B4-BE49-F238E27FC236}">
-                <a16:creationId xmlns:a16="http://schemas.microsoft.com/office/drawing/2014/main" id="{B7F16A78-981C-4EF7-9830-67FDF7CF2E04}"/>
+                <a16:creationId xmlns:a16="http://schemas.microsoft.com/office/drawing/2014/main" id="{1B159BB5-C79B-43AD-A9D2-E3A3967734A8}"/>
               </a:ext>
             </a:extLst>
           </p:cNvPr>
@@ -9803,31 +10317,6 @@
           </p:cNvSpPr>
           <p:nvPr>
             <p:ph type="title"/>
-          </p:nvPr>
-        </p:nvSpPr>
-        <p:spPr/>
-        <p:txBody>
-          <a:bodyPr/>
-          <a:lstStyle/>
-          <a:p>
-            <a:endParaRPr lang="en-US" dirty="0"/>
-          </a:p>
-        </p:txBody>
-      </p:sp>
-      <p:sp>
-        <p:nvSpPr>
-          <p:cNvPr id="3" name="内容占位符 2">
-            <a:extLst>
-              <a:ext uri="{FF2B5EF4-FFF2-40B4-BE49-F238E27FC236}">
-                <a16:creationId xmlns:a16="http://schemas.microsoft.com/office/drawing/2014/main" id="{2DD31B0D-32ED-44CC-A78D-FF3BD2C1E6EE}"/>
-              </a:ext>
-            </a:extLst>
-          </p:cNvPr>
-          <p:cNvSpPr>
-            <a:spLocks noGrp="1"/>
-          </p:cNvSpPr>
-          <p:nvPr>
-            <p:ph idx="1"/>
           </p:nvPr>
         </p:nvSpPr>
         <p:spPr/>
@@ -9837,113 +10326,6 @@
           </a:bodyPr>
           <a:lstStyle/>
           <a:p>
-            <a:pPr marL="0" indent="0" algn="ctr">
-              <a:buNone/>
-            </a:pPr>
-            <a:endParaRPr lang="en-US" sz="4800" dirty="0"/>
-          </a:p>
-          <a:p>
-            <a:pPr marL="0" indent="0" algn="ctr">
-              <a:buNone/>
-            </a:pPr>
-            <a:r>
-              <a:rPr lang="en-US" sz="4800" dirty="0"/>
-              <a:t>General problem </a:t>
-            </a:r>
-          </a:p>
-          <a:p>
-            <a:pPr marL="0" indent="0" algn="ctr">
-              <a:buNone/>
-            </a:pPr>
-            <a:r>
-              <a:rPr lang="en-US" sz="4800" dirty="0"/>
-              <a:t>in Middle Chinese philology</a:t>
-            </a:r>
-          </a:p>
-        </p:txBody>
-      </p:sp>
-      <p:sp>
-        <p:nvSpPr>
-          <p:cNvPr id="4" name="灯片编号占位符 3">
-            <a:extLst>
-              <a:ext uri="{FF2B5EF4-FFF2-40B4-BE49-F238E27FC236}">
-                <a16:creationId xmlns:a16="http://schemas.microsoft.com/office/drawing/2014/main" id="{9AD44C4B-7520-4E89-BC05-0E5CD767A134}"/>
-              </a:ext>
-            </a:extLst>
-          </p:cNvPr>
-          <p:cNvSpPr>
-            <a:spLocks noGrp="1"/>
-          </p:cNvSpPr>
-          <p:nvPr>
-            <p:ph type="sldNum" sz="quarter" idx="12"/>
-          </p:nvPr>
-        </p:nvSpPr>
-        <p:spPr/>
-        <p:txBody>
-          <a:bodyPr/>
-          <a:lstStyle/>
-          <a:p>
-            <a:fld id="{2FF645F2-2BCF-43E8-82A0-F1B53C34D3C8}" type="slidenum">
-              <a:rPr lang="en-US" smtClean="0"/>
-              <a:t>3</a:t>
-            </a:fld>
-            <a:endParaRPr lang="en-US"/>
-          </a:p>
-        </p:txBody>
-      </p:sp>
-    </p:spTree>
-    <p:extLst>
-      <p:ext uri="{BB962C8B-B14F-4D97-AF65-F5344CB8AC3E}">
-        <p14:creationId xmlns:p14="http://schemas.microsoft.com/office/powerpoint/2010/main" val="3398524227"/>
-      </p:ext>
-    </p:extLst>
-  </p:cSld>
-  <p:clrMapOvr>
-    <a:masterClrMapping/>
-  </p:clrMapOvr>
-</p:sld>
-</file>
-
-<file path=ppt/slides/slide30.xml><?xml version="1.0" encoding="utf-8"?>
-<p:sld xmlns:a="http://schemas.openxmlformats.org/drawingml/2006/main" xmlns:r="http://schemas.openxmlformats.org/officeDocument/2006/relationships" xmlns:p="http://schemas.openxmlformats.org/presentationml/2006/main">
-  <p:cSld>
-    <p:spTree>
-      <p:nvGrpSpPr>
-        <p:cNvPr id="1" name=""/>
-        <p:cNvGrpSpPr/>
-        <p:nvPr/>
-      </p:nvGrpSpPr>
-      <p:grpSpPr>
-        <a:xfrm>
-          <a:off x="0" y="0"/>
-          <a:ext cx="0" cy="0"/>
-          <a:chOff x="0" y="0"/>
-          <a:chExt cx="0" cy="0"/>
-        </a:xfrm>
-      </p:grpSpPr>
-      <p:sp>
-        <p:nvSpPr>
-          <p:cNvPr id="2" name="标题 1">
-            <a:extLst>
-              <a:ext uri="{FF2B5EF4-FFF2-40B4-BE49-F238E27FC236}">
-                <a16:creationId xmlns:a16="http://schemas.microsoft.com/office/drawing/2014/main" id="{1B159BB5-C79B-43AD-A9D2-E3A3967734A8}"/>
-              </a:ext>
-            </a:extLst>
-          </p:cNvPr>
-          <p:cNvSpPr>
-            <a:spLocks noGrp="1"/>
-          </p:cNvSpPr>
-          <p:nvPr>
-            <p:ph type="title"/>
-          </p:nvPr>
-        </p:nvSpPr>
-        <p:spPr/>
-        <p:txBody>
-          <a:bodyPr>
-            <a:normAutofit/>
-          </a:bodyPr>
-          <a:lstStyle/>
-          <a:p>
             <a:r>
               <a:rPr lang="en-US" dirty="0"/>
               <a:t>Chinese </a:t>
@@ -9965,7 +10347,7 @@
             </a:r>
             <a:r>
               <a:rPr lang="en-US" i="1" dirty="0" err="1"/>
-              <a:t>iṅgivera</a:t>
+              <a:t>siṅgivera</a:t>
             </a:r>
             <a:r>
               <a:rPr lang="en-US" i="1" dirty="0"/>
@@ -10020,6 +10402,10 @@
               <a:t>=Pali </a:t>
             </a:r>
             <a:r>
+              <a:rPr lang="en-US" altLang="zh-CN" i="1" dirty="0" err="1"/>
+              <a:t>s</a:t>
+            </a:r>
+            <a:r>
               <a:rPr lang="en-US" i="1" dirty="0" err="1"/>
               <a:t>iṅgivera</a:t>
             </a:r>
@@ -10057,7 +10443,7 @@
           <a:p>
             <a:fld id="{2FF645F2-2BCF-43E8-82A0-F1B53C34D3C8}" type="slidenum">
               <a:rPr lang="en-US" smtClean="0"/>
-              <a:t>30</a:t>
+              <a:t>31</a:t>
             </a:fld>
             <a:endParaRPr lang="en-US"/>
           </a:p>
@@ -10136,7 +10522,7 @@
 </p:sld>
 </file>
 
-<file path=ppt/slides/slide31.xml><?xml version="1.0" encoding="utf-8"?>
+<file path=ppt/slides/slide32.xml><?xml version="1.0" encoding="utf-8"?>
 <p:sld xmlns:a="http://schemas.openxmlformats.org/drawingml/2006/main" xmlns:r="http://schemas.openxmlformats.org/officeDocument/2006/relationships" xmlns:p="http://schemas.openxmlformats.org/presentationml/2006/main">
   <p:cSld>
     <p:spTree>
@@ -10262,6 +10648,10 @@
               <a:t>= Pali </a:t>
             </a:r>
             <a:r>
+              <a:rPr lang="en-US" altLang="zh-CN" i="1" dirty="0" err="1"/>
+              <a:t>s</a:t>
+            </a:r>
+            <a:r>
               <a:rPr lang="en-US" i="1" dirty="0" err="1"/>
               <a:t>iṅgivera</a:t>
             </a:r>
@@ -10417,7 +10807,7 @@
           <a:p>
             <a:fld id="{2FF645F2-2BCF-43E8-82A0-F1B53C34D3C8}" type="slidenum">
               <a:rPr lang="en-US" smtClean="0"/>
-              <a:t>31</a:t>
+              <a:t>32</a:t>
             </a:fld>
             <a:endParaRPr lang="en-US"/>
           </a:p>
@@ -10496,7 +10886,7 @@
 </p:sld>
 </file>
 
-<file path=ppt/slides/slide32.xml><?xml version="1.0" encoding="utf-8"?>
+<file path=ppt/slides/slide33.xml><?xml version="1.0" encoding="utf-8"?>
 <p:sld xmlns:a="http://schemas.openxmlformats.org/drawingml/2006/main" xmlns:r="http://schemas.openxmlformats.org/officeDocument/2006/relationships" xmlns:p="http://schemas.openxmlformats.org/presentationml/2006/main">
   <p:cSld>
     <p:spTree>
@@ -10653,7 +11043,7 @@
           <a:p>
             <a:fld id="{2FF645F2-2BCF-43E8-82A0-F1B53C34D3C8}" type="slidenum">
               <a:rPr lang="en-US" smtClean="0"/>
-              <a:t>32</a:t>
+              <a:t>33</a:t>
             </a:fld>
             <a:endParaRPr lang="en-US"/>
           </a:p>
@@ -10732,7 +11122,7 @@
 </p:sld>
 </file>
 
-<file path=ppt/slides/slide33.xml><?xml version="1.0" encoding="utf-8"?>
+<file path=ppt/slides/slide34.xml><?xml version="1.0" encoding="utf-8"?>
 <p:sld xmlns:a="http://schemas.openxmlformats.org/drawingml/2006/main" xmlns:r="http://schemas.openxmlformats.org/officeDocument/2006/relationships" xmlns:p="http://schemas.openxmlformats.org/presentationml/2006/main">
   <p:cSld>
     <p:spTree>
@@ -10889,7 +11279,7 @@
           <a:p>
             <a:fld id="{2FF645F2-2BCF-43E8-82A0-F1B53C34D3C8}" type="slidenum">
               <a:rPr lang="en-US" smtClean="0"/>
-              <a:t>33</a:t>
+              <a:t>34</a:t>
             </a:fld>
             <a:endParaRPr lang="en-US"/>
           </a:p>
@@ -10968,7 +11358,7 @@
 </p:sld>
 </file>
 
-<file path=ppt/slides/slide34.xml><?xml version="1.0" encoding="utf-8"?>
+<file path=ppt/slides/slide35.xml><?xml version="1.0" encoding="utf-8"?>
 <p:sld xmlns:a="http://schemas.openxmlformats.org/drawingml/2006/main" xmlns:r="http://schemas.openxmlformats.org/officeDocument/2006/relationships" xmlns:p="http://schemas.openxmlformats.org/presentationml/2006/main">
   <p:cSld>
     <p:spTree>
@@ -11270,7 +11660,7 @@
           <a:p>
             <a:fld id="{2FF645F2-2BCF-43E8-82A0-F1B53C34D3C8}" type="slidenum">
               <a:rPr lang="en-US" smtClean="0"/>
-              <a:t>34</a:t>
+              <a:t>35</a:t>
             </a:fld>
             <a:endParaRPr lang="en-US"/>
           </a:p>
@@ -11349,154 +11739,6 @@
 </p:sld>
 </file>
 
-<file path=ppt/slides/slide35.xml><?xml version="1.0" encoding="utf-8"?>
-<p:sld xmlns:a="http://schemas.openxmlformats.org/drawingml/2006/main" xmlns:r="http://schemas.openxmlformats.org/officeDocument/2006/relationships" xmlns:p="http://schemas.openxmlformats.org/presentationml/2006/main">
-  <p:cSld>
-    <p:spTree>
-      <p:nvGrpSpPr>
-        <p:cNvPr id="1" name=""/>
-        <p:cNvGrpSpPr/>
-        <p:nvPr/>
-      </p:nvGrpSpPr>
-      <p:grpSpPr>
-        <a:xfrm>
-          <a:off x="0" y="0"/>
-          <a:ext cx="0" cy="0"/>
-          <a:chOff x="0" y="0"/>
-          <a:chExt cx="0" cy="0"/>
-        </a:xfrm>
-      </p:grpSpPr>
-      <p:sp>
-        <p:nvSpPr>
-          <p:cNvPr id="2" name="标题 1">
-            <a:extLst>
-              <a:ext uri="{FF2B5EF4-FFF2-40B4-BE49-F238E27FC236}">
-                <a16:creationId xmlns:a16="http://schemas.microsoft.com/office/drawing/2014/main" id="{966E7904-81F3-4726-99EA-B2F4D9757CCE}"/>
-              </a:ext>
-            </a:extLst>
-          </p:cNvPr>
-          <p:cNvSpPr>
-            <a:spLocks noGrp="1"/>
-          </p:cNvSpPr>
-          <p:nvPr>
-            <p:ph type="title"/>
-          </p:nvPr>
-        </p:nvSpPr>
-        <p:spPr/>
-        <p:txBody>
-          <a:bodyPr/>
-          <a:lstStyle/>
-          <a:p>
-            <a:r>
-              <a:rPr lang="en-US" dirty="0"/>
-              <a:t>Conventional usage and context of </a:t>
-            </a:r>
-            <a:r>
-              <a:rPr lang="en-US" i="1" dirty="0" err="1"/>
-              <a:t>yancai</a:t>
-            </a:r>
-            <a:endParaRPr lang="en-US" dirty="0"/>
-          </a:p>
-        </p:txBody>
-      </p:sp>
-      <p:sp>
-        <p:nvSpPr>
-          <p:cNvPr id="3" name="内容占位符 2">
-            <a:extLst>
-              <a:ext uri="{FF2B5EF4-FFF2-40B4-BE49-F238E27FC236}">
-                <a16:creationId xmlns:a16="http://schemas.microsoft.com/office/drawing/2014/main" id="{2A546701-D42F-43C6-9232-9224FFC04151}"/>
-              </a:ext>
-            </a:extLst>
-          </p:cNvPr>
-          <p:cNvSpPr>
-            <a:spLocks noGrp="1"/>
-          </p:cNvSpPr>
-          <p:nvPr>
-            <p:ph idx="1"/>
-          </p:nvPr>
-        </p:nvSpPr>
-        <p:spPr/>
-        <p:txBody>
-          <a:bodyPr/>
-          <a:lstStyle/>
-          <a:p>
-            <a:r>
-              <a:rPr lang="en-US" dirty="0"/>
-              <a:t>Conventional phrase ‘not even eating pickles’: a common expression used to mourn the death of close ones in MC</a:t>
-            </a:r>
-          </a:p>
-          <a:p>
-            <a:endParaRPr lang="en-US" dirty="0"/>
-          </a:p>
-          <a:p>
-            <a:r>
-              <a:rPr lang="en-US" dirty="0"/>
-              <a:t>Exact context in </a:t>
-            </a:r>
-            <a:r>
-              <a:rPr lang="en-US" i="1" dirty="0" err="1"/>
-              <a:t>Yanshi</a:t>
-            </a:r>
-            <a:r>
-              <a:rPr lang="en-US" i="1" dirty="0"/>
-              <a:t> </a:t>
-            </a:r>
-            <a:r>
-              <a:rPr lang="en-US" i="1" dirty="0" err="1"/>
-              <a:t>Jiaxun</a:t>
-            </a:r>
-            <a:endParaRPr lang="en-US" dirty="0"/>
-          </a:p>
-          <a:p>
-            <a:pPr marL="0" indent="0">
-              <a:buNone/>
-            </a:pPr>
-            <a:endParaRPr lang="en-US" dirty="0"/>
-          </a:p>
-        </p:txBody>
-      </p:sp>
-      <p:sp>
-        <p:nvSpPr>
-          <p:cNvPr id="4" name="灯片编号占位符 3">
-            <a:extLst>
-              <a:ext uri="{FF2B5EF4-FFF2-40B4-BE49-F238E27FC236}">
-                <a16:creationId xmlns:a16="http://schemas.microsoft.com/office/drawing/2014/main" id="{C32D2755-E44C-47B3-A698-6CEE366808BF}"/>
-              </a:ext>
-            </a:extLst>
-          </p:cNvPr>
-          <p:cNvSpPr>
-            <a:spLocks noGrp="1"/>
-          </p:cNvSpPr>
-          <p:nvPr>
-            <p:ph type="sldNum" sz="quarter" idx="12"/>
-          </p:nvPr>
-        </p:nvSpPr>
-        <p:spPr/>
-        <p:txBody>
-          <a:bodyPr/>
-          <a:lstStyle/>
-          <a:p>
-            <a:fld id="{2FF645F2-2BCF-43E8-82A0-F1B53C34D3C8}" type="slidenum">
-              <a:rPr lang="en-US" smtClean="0"/>
-              <a:t>35</a:t>
-            </a:fld>
-            <a:endParaRPr lang="en-US"/>
-          </a:p>
-        </p:txBody>
-      </p:sp>
-    </p:spTree>
-    <p:extLst>
-      <p:ext uri="{BB962C8B-B14F-4D97-AF65-F5344CB8AC3E}">
-        <p14:creationId xmlns:p14="http://schemas.microsoft.com/office/powerpoint/2010/main" val="3538898231"/>
-      </p:ext>
-    </p:extLst>
-  </p:cSld>
-  <p:clrMapOvr>
-    <a:masterClrMapping/>
-  </p:clrMapOvr>
-</p:sld>
-</file>
-
 <file path=ppt/slides/slide36.xml><?xml version="1.0" encoding="utf-8"?>
 <p:sld xmlns:a="http://schemas.openxmlformats.org/drawingml/2006/main" xmlns:r="http://schemas.openxmlformats.org/officeDocument/2006/relationships" xmlns:p="http://schemas.openxmlformats.org/presentationml/2006/main">
   <p:cSld>
@@ -11563,6 +11805,154 @@
             <p:ph idx="1"/>
           </p:nvPr>
         </p:nvSpPr>
+        <p:spPr/>
+        <p:txBody>
+          <a:bodyPr/>
+          <a:lstStyle/>
+          <a:p>
+            <a:r>
+              <a:rPr lang="en-US" dirty="0"/>
+              <a:t>Conventional phrase ‘not even eating pickles’: a common expression used to mourn the death of close ones in MC</a:t>
+            </a:r>
+          </a:p>
+          <a:p>
+            <a:endParaRPr lang="en-US" dirty="0"/>
+          </a:p>
+          <a:p>
+            <a:r>
+              <a:rPr lang="en-US" dirty="0"/>
+              <a:t>Exact context in </a:t>
+            </a:r>
+            <a:r>
+              <a:rPr lang="en-US" i="1" dirty="0" err="1"/>
+              <a:t>Yanshi</a:t>
+            </a:r>
+            <a:r>
+              <a:rPr lang="en-US" i="1" dirty="0"/>
+              <a:t> </a:t>
+            </a:r>
+            <a:r>
+              <a:rPr lang="en-US" i="1" dirty="0" err="1"/>
+              <a:t>Jiaxun</a:t>
+            </a:r>
+            <a:endParaRPr lang="en-US" dirty="0"/>
+          </a:p>
+          <a:p>
+            <a:pPr marL="0" indent="0">
+              <a:buNone/>
+            </a:pPr>
+            <a:endParaRPr lang="en-US" dirty="0"/>
+          </a:p>
+        </p:txBody>
+      </p:sp>
+      <p:sp>
+        <p:nvSpPr>
+          <p:cNvPr id="4" name="灯片编号占位符 3">
+            <a:extLst>
+              <a:ext uri="{FF2B5EF4-FFF2-40B4-BE49-F238E27FC236}">
+                <a16:creationId xmlns:a16="http://schemas.microsoft.com/office/drawing/2014/main" id="{C32D2755-E44C-47B3-A698-6CEE366808BF}"/>
+              </a:ext>
+            </a:extLst>
+          </p:cNvPr>
+          <p:cNvSpPr>
+            <a:spLocks noGrp="1"/>
+          </p:cNvSpPr>
+          <p:nvPr>
+            <p:ph type="sldNum" sz="quarter" idx="12"/>
+          </p:nvPr>
+        </p:nvSpPr>
+        <p:spPr/>
+        <p:txBody>
+          <a:bodyPr/>
+          <a:lstStyle/>
+          <a:p>
+            <a:fld id="{2FF645F2-2BCF-43E8-82A0-F1B53C34D3C8}" type="slidenum">
+              <a:rPr lang="en-US" smtClean="0"/>
+              <a:t>36</a:t>
+            </a:fld>
+            <a:endParaRPr lang="en-US"/>
+          </a:p>
+        </p:txBody>
+      </p:sp>
+    </p:spTree>
+    <p:extLst>
+      <p:ext uri="{BB962C8B-B14F-4D97-AF65-F5344CB8AC3E}">
+        <p14:creationId xmlns:p14="http://schemas.microsoft.com/office/powerpoint/2010/main" val="3538898231"/>
+      </p:ext>
+    </p:extLst>
+  </p:cSld>
+  <p:clrMapOvr>
+    <a:masterClrMapping/>
+  </p:clrMapOvr>
+</p:sld>
+</file>
+
+<file path=ppt/slides/slide37.xml><?xml version="1.0" encoding="utf-8"?>
+<p:sld xmlns:a="http://schemas.openxmlformats.org/drawingml/2006/main" xmlns:r="http://schemas.openxmlformats.org/officeDocument/2006/relationships" xmlns:p="http://schemas.openxmlformats.org/presentationml/2006/main">
+  <p:cSld>
+    <p:spTree>
+      <p:nvGrpSpPr>
+        <p:cNvPr id="1" name=""/>
+        <p:cNvGrpSpPr/>
+        <p:nvPr/>
+      </p:nvGrpSpPr>
+      <p:grpSpPr>
+        <a:xfrm>
+          <a:off x="0" y="0"/>
+          <a:ext cx="0" cy="0"/>
+          <a:chOff x="0" y="0"/>
+          <a:chExt cx="0" cy="0"/>
+        </a:xfrm>
+      </p:grpSpPr>
+      <p:sp>
+        <p:nvSpPr>
+          <p:cNvPr id="2" name="标题 1">
+            <a:extLst>
+              <a:ext uri="{FF2B5EF4-FFF2-40B4-BE49-F238E27FC236}">
+                <a16:creationId xmlns:a16="http://schemas.microsoft.com/office/drawing/2014/main" id="{966E7904-81F3-4726-99EA-B2F4D9757CCE}"/>
+              </a:ext>
+            </a:extLst>
+          </p:cNvPr>
+          <p:cNvSpPr>
+            <a:spLocks noGrp="1"/>
+          </p:cNvSpPr>
+          <p:nvPr>
+            <p:ph type="title"/>
+          </p:nvPr>
+        </p:nvSpPr>
+        <p:spPr/>
+        <p:txBody>
+          <a:bodyPr/>
+          <a:lstStyle/>
+          <a:p>
+            <a:r>
+              <a:rPr lang="en-US" dirty="0"/>
+              <a:t>Conventional usage and context of </a:t>
+            </a:r>
+            <a:r>
+              <a:rPr lang="en-US" i="1" dirty="0" err="1"/>
+              <a:t>yancai</a:t>
+            </a:r>
+            <a:endParaRPr lang="en-US" dirty="0"/>
+          </a:p>
+        </p:txBody>
+      </p:sp>
+      <p:sp>
+        <p:nvSpPr>
+          <p:cNvPr id="3" name="内容占位符 2">
+            <a:extLst>
+              <a:ext uri="{FF2B5EF4-FFF2-40B4-BE49-F238E27FC236}">
+                <a16:creationId xmlns:a16="http://schemas.microsoft.com/office/drawing/2014/main" id="{2A546701-D42F-43C6-9232-9224FFC04151}"/>
+              </a:ext>
+            </a:extLst>
+          </p:cNvPr>
+          <p:cNvSpPr>
+            <a:spLocks noGrp="1"/>
+          </p:cNvSpPr>
+          <p:nvPr>
+            <p:ph idx="1"/>
+          </p:nvPr>
+        </p:nvSpPr>
         <p:spPr>
           <a:xfrm>
             <a:off x="838200" y="1547813"/>
@@ -11612,7 +12002,7 @@
           <a:p>
             <a:fld id="{2FF645F2-2BCF-43E8-82A0-F1B53C34D3C8}" type="slidenum">
               <a:rPr lang="en-US" smtClean="0"/>
-              <a:t>36</a:t>
+              <a:t>37</a:t>
             </a:fld>
             <a:endParaRPr lang="en-US"/>
           </a:p>
@@ -11661,7 +12051,7 @@
 </p:sld>
 </file>
 
-<file path=ppt/slides/slide37.xml><?xml version="1.0" encoding="utf-8"?>
+<file path=ppt/slides/slide38.xml><?xml version="1.0" encoding="utf-8"?>
 <p:sld xmlns:a="http://schemas.openxmlformats.org/drawingml/2006/main" xmlns:r="http://schemas.openxmlformats.org/officeDocument/2006/relationships" xmlns:p="http://schemas.openxmlformats.org/presentationml/2006/main">
   <p:cSld>
     <p:spTree>
@@ -11783,7 +12173,7 @@
           <a:p>
             <a:fld id="{2FF645F2-2BCF-43E8-82A0-F1B53C34D3C8}" type="slidenum">
               <a:rPr lang="en-US" smtClean="0"/>
-              <a:t>37</a:t>
+              <a:t>38</a:t>
             </a:fld>
             <a:endParaRPr lang="en-US"/>
           </a:p>
@@ -11893,223 +12283,6 @@
 </p:sld>
 </file>
 
-<file path=ppt/slides/slide38.xml><?xml version="1.0" encoding="utf-8"?>
-<p:sld xmlns:a="http://schemas.openxmlformats.org/drawingml/2006/main" xmlns:r="http://schemas.openxmlformats.org/officeDocument/2006/relationships" xmlns:p="http://schemas.openxmlformats.org/presentationml/2006/main">
-  <p:cSld>
-    <p:spTree>
-      <p:nvGrpSpPr>
-        <p:cNvPr id="1" name=""/>
-        <p:cNvGrpSpPr/>
-        <p:nvPr/>
-      </p:nvGrpSpPr>
-      <p:grpSpPr>
-        <a:xfrm>
-          <a:off x="0" y="0"/>
-          <a:ext cx="0" cy="0"/>
-          <a:chOff x="0" y="0"/>
-          <a:chExt cx="0" cy="0"/>
-        </a:xfrm>
-      </p:grpSpPr>
-      <p:sp>
-        <p:nvSpPr>
-          <p:cNvPr id="2" name="标题 1">
-            <a:extLst>
-              <a:ext uri="{FF2B5EF4-FFF2-40B4-BE49-F238E27FC236}">
-                <a16:creationId xmlns:a16="http://schemas.microsoft.com/office/drawing/2014/main" id="{770AA25B-AA09-4F2F-91B0-4155C9F53222}"/>
-              </a:ext>
-            </a:extLst>
-          </p:cNvPr>
-          <p:cNvSpPr>
-            <a:spLocks noGrp="1"/>
-          </p:cNvSpPr>
-          <p:nvPr>
-            <p:ph type="title"/>
-          </p:nvPr>
-        </p:nvSpPr>
-        <p:spPr/>
-        <p:txBody>
-          <a:bodyPr/>
-          <a:lstStyle/>
-          <a:p>
-            <a:r>
-              <a:rPr lang="en-US" dirty="0"/>
-              <a:t>Summary</a:t>
-            </a:r>
-          </a:p>
-        </p:txBody>
-      </p:sp>
-      <p:sp>
-        <p:nvSpPr>
-          <p:cNvPr id="3" name="内容占位符 2">
-            <a:extLst>
-              <a:ext uri="{FF2B5EF4-FFF2-40B4-BE49-F238E27FC236}">
-                <a16:creationId xmlns:a16="http://schemas.microsoft.com/office/drawing/2014/main" id="{5FB051F4-4239-4E89-9CDE-BE1A21E81A61}"/>
-              </a:ext>
-            </a:extLst>
-          </p:cNvPr>
-          <p:cNvSpPr>
-            <a:spLocks noGrp="1"/>
-          </p:cNvSpPr>
-          <p:nvPr>
-            <p:ph idx="1"/>
-          </p:nvPr>
-        </p:nvSpPr>
-        <p:spPr/>
-        <p:txBody>
-          <a:bodyPr/>
-          <a:lstStyle/>
-          <a:p>
-            <a:pPr lvl="0"/>
-            <a:r>
-              <a:rPr lang="en-US" i="1" dirty="0" err="1">
-                <a:solidFill>
-                  <a:srgbClr val="FF0000"/>
-                </a:solidFill>
-              </a:rPr>
-              <a:t>jiangcai</a:t>
-            </a:r>
-            <a:r>
-              <a:rPr lang="en-US" dirty="0">
-                <a:solidFill>
-                  <a:srgbClr val="FF0000"/>
-                </a:solidFill>
-              </a:rPr>
-              <a:t> is a ghost word </a:t>
-            </a:r>
-            <a:r>
-              <a:rPr lang="en-US" dirty="0"/>
-              <a:t>which does not exist,  not only in </a:t>
-            </a:r>
-            <a:r>
-              <a:rPr lang="en-US" i="1" dirty="0" err="1"/>
-              <a:t>Yanshi</a:t>
-            </a:r>
-            <a:r>
-              <a:rPr lang="en-US" i="1" dirty="0"/>
-              <a:t> </a:t>
-            </a:r>
-            <a:r>
-              <a:rPr lang="en-US" i="1" dirty="0" err="1"/>
-              <a:t>Jiaxun</a:t>
-            </a:r>
-            <a:r>
-              <a:rPr lang="en-US" dirty="0"/>
-              <a:t>, but also in all contemporaneous </a:t>
-            </a:r>
-            <a:r>
-              <a:rPr lang="en-US" altLang="zh-CN" dirty="0"/>
-              <a:t>Middle Chinese </a:t>
-            </a:r>
-            <a:r>
-              <a:rPr lang="en-US" dirty="0"/>
-              <a:t>literature</a:t>
-            </a:r>
-            <a:r>
-              <a:rPr lang="en-US" i="1" dirty="0"/>
-              <a:t>.</a:t>
-            </a:r>
-          </a:p>
-          <a:p>
-            <a:pPr marL="0" lvl="0" indent="0">
-              <a:buNone/>
-            </a:pPr>
-            <a:endParaRPr lang="en-US" dirty="0"/>
-          </a:p>
-          <a:p>
-            <a:pPr lvl="0"/>
-            <a:r>
-              <a:rPr lang="en-US" dirty="0"/>
-              <a:t>The ghost word results from </a:t>
-            </a:r>
-            <a:r>
-              <a:rPr lang="en-US" i="1" dirty="0" err="1">
-                <a:solidFill>
-                  <a:srgbClr val="FF0000"/>
-                </a:solidFill>
-              </a:rPr>
-              <a:t>yancai</a:t>
-            </a:r>
-            <a:r>
-              <a:rPr lang="en-US" i="1" dirty="0">
-                <a:solidFill>
-                  <a:srgbClr val="FF0000"/>
-                </a:solidFill>
-              </a:rPr>
-              <a:t> </a:t>
-            </a:r>
-            <a:r>
-              <a:rPr lang="zh-CN" altLang="en-US" dirty="0">
-                <a:solidFill>
-                  <a:srgbClr val="FF0000"/>
-                </a:solidFill>
-                <a:latin typeface="宋体" panose="02010600030101010101" pitchFamily="2" charset="-122"/>
-                <a:ea typeface="宋体" panose="02010600030101010101" pitchFamily="2" charset="-122"/>
-              </a:rPr>
-              <a:t>鹽菜</a:t>
-            </a:r>
-            <a:r>
-              <a:rPr lang="en-US" dirty="0">
-                <a:solidFill>
-                  <a:srgbClr val="FF0000"/>
-                </a:solidFill>
-              </a:rPr>
-              <a:t>‘salted vegetable, pickle’ </a:t>
-            </a:r>
-            <a:r>
-              <a:rPr lang="en-US" dirty="0"/>
-              <a:t>, due to misreading of characters and continued misinterpretation of lexical semantics.</a:t>
-            </a:r>
-          </a:p>
-          <a:p>
-            <a:pPr marL="0" indent="0">
-              <a:buNone/>
-            </a:pPr>
-            <a:endParaRPr lang="en-US" dirty="0"/>
-          </a:p>
-        </p:txBody>
-      </p:sp>
-      <p:sp>
-        <p:nvSpPr>
-          <p:cNvPr id="4" name="灯片编号占位符 3">
-            <a:extLst>
-              <a:ext uri="{FF2B5EF4-FFF2-40B4-BE49-F238E27FC236}">
-                <a16:creationId xmlns:a16="http://schemas.microsoft.com/office/drawing/2014/main" id="{9D3A0782-3122-4877-A4CF-BABFF805AEC8}"/>
-              </a:ext>
-            </a:extLst>
-          </p:cNvPr>
-          <p:cNvSpPr>
-            <a:spLocks noGrp="1"/>
-          </p:cNvSpPr>
-          <p:nvPr>
-            <p:ph type="sldNum" sz="quarter" idx="12"/>
-          </p:nvPr>
-        </p:nvSpPr>
-        <p:spPr/>
-        <p:txBody>
-          <a:bodyPr/>
-          <a:lstStyle/>
-          <a:p>
-            <a:fld id="{2FF645F2-2BCF-43E8-82A0-F1B53C34D3C8}" type="slidenum">
-              <a:rPr lang="en-US" smtClean="0"/>
-              <a:t>38</a:t>
-            </a:fld>
-            <a:endParaRPr lang="en-US"/>
-          </a:p>
-        </p:txBody>
-      </p:sp>
-    </p:spTree>
-    <p:extLst>
-      <p:ext uri="{BB962C8B-B14F-4D97-AF65-F5344CB8AC3E}">
-        <p14:creationId xmlns:p14="http://schemas.microsoft.com/office/powerpoint/2010/main" val="724010617"/>
-      </p:ext>
-    </p:extLst>
-  </p:cSld>
-  <p:clrMapOvr>
-    <a:masterClrMapping/>
-  </p:clrMapOvr>
-</p:sld>
-</file>
-
 <file path=ppt/slides/slide39.xml><?xml version="1.0" encoding="utf-8"?>
 <p:sld xmlns:a="http://schemas.openxmlformats.org/drawingml/2006/main" xmlns:r="http://schemas.openxmlformats.org/officeDocument/2006/relationships" xmlns:p="http://schemas.openxmlformats.org/presentationml/2006/main">
   <p:cSld>
@@ -12132,7 +12305,7 @@
           <p:cNvPr id="2" name="标题 1">
             <a:extLst>
               <a:ext uri="{FF2B5EF4-FFF2-40B4-BE49-F238E27FC236}">
-                <a16:creationId xmlns:a16="http://schemas.microsoft.com/office/drawing/2014/main" id="{7BB0B99D-8403-4B0E-B0BD-7DC89DA0E015}"/>
+                <a16:creationId xmlns:a16="http://schemas.microsoft.com/office/drawing/2014/main" id="{770AA25B-AA09-4F2F-91B0-4155C9F53222}"/>
               </a:ext>
             </a:extLst>
           </p:cNvPr>
@@ -12150,7 +12323,7 @@
           <a:p>
             <a:r>
               <a:rPr lang="en-US" dirty="0"/>
-              <a:t>Take-aways</a:t>
+              <a:t>Summary</a:t>
             </a:r>
           </a:p>
         </p:txBody>
@@ -12160,7 +12333,7 @@
           <p:cNvPr id="3" name="内容占位符 2">
             <a:extLst>
               <a:ext uri="{FF2B5EF4-FFF2-40B4-BE49-F238E27FC236}">
-                <a16:creationId xmlns:a16="http://schemas.microsoft.com/office/drawing/2014/main" id="{70C66BAE-37BF-4906-A116-1D8F706CC125}"/>
+                <a16:creationId xmlns:a16="http://schemas.microsoft.com/office/drawing/2014/main" id="{5FB051F4-4239-4E89-9CDE-BE1A21E81A61}"/>
               </a:ext>
             </a:extLst>
           </p:cNvPr>
@@ -12176,27 +12349,112 @@
           <a:bodyPr/>
           <a:lstStyle/>
           <a:p>
+            <a:pPr lvl="0"/>
+            <a:r>
+              <a:rPr lang="en-US" i="1" dirty="0" err="1">
+                <a:solidFill>
+                  <a:srgbClr val="FF0000"/>
+                </a:solidFill>
+              </a:rPr>
+              <a:t>jiangcai</a:t>
+            </a:r>
+            <a:r>
+              <a:rPr lang="en-US" dirty="0">
+                <a:solidFill>
+                  <a:srgbClr val="FF0000"/>
+                </a:solidFill>
+              </a:rPr>
+              <a:t> is a ghost word </a:t>
+            </a:r>
             <a:r>
               <a:rPr lang="en-US" dirty="0"/>
-              <a:t>Different types of evidence may lead to different interpretation</a:t>
+              <a:t>which does not exist,  not only in </a:t>
+            </a:r>
+            <a:r>
+              <a:rPr lang="en-US" i="1" dirty="0" err="1"/>
+              <a:t>Yanshi</a:t>
+            </a:r>
+            <a:r>
+              <a:rPr lang="en-US" i="1" dirty="0"/>
+              <a:t> </a:t>
+            </a:r>
+            <a:r>
+              <a:rPr lang="en-US" i="1" dirty="0" err="1"/>
+              <a:t>Jiaxun</a:t>
+            </a:r>
+            <a:r>
+              <a:rPr lang="en-US" dirty="0"/>
+              <a:t>, but also in all contemporaneous </a:t>
             </a:r>
             <a:r>
               <a:rPr lang="en-US" altLang="zh-CN" dirty="0"/>
-              <a:t>s</a:t>
+              <a:t>Middle Chinese </a:t>
             </a:r>
             <a:r>
               <a:rPr lang="en-US" dirty="0"/>
+              <a:t>literature</a:t>
+            </a:r>
+            <a:r>
+              <a:rPr lang="en-US" i="1" dirty="0"/>
               <a:t>.</a:t>
             </a:r>
           </a:p>
           <a:p>
+            <a:pPr marL="0" lvl="0" indent="0">
+              <a:buNone/>
+            </a:pPr>
             <a:endParaRPr lang="en-US" dirty="0"/>
           </a:p>
           <a:p>
+            <a:pPr lvl="0"/>
             <a:r>
               <a:rPr lang="en-US" dirty="0"/>
-              <a:t>Parallel texts of various languages should be referred to whenever possible.</a:t>
-            </a:r>
+              <a:t>The ghost word results from </a:t>
+            </a:r>
+            <a:r>
+              <a:rPr lang="en-US" i="1" dirty="0" err="1">
+                <a:solidFill>
+                  <a:srgbClr val="FF0000"/>
+                </a:solidFill>
+              </a:rPr>
+              <a:t>yancai</a:t>
+            </a:r>
+            <a:r>
+              <a:rPr lang="en-US" i="1" dirty="0">
+                <a:solidFill>
+                  <a:srgbClr val="FF0000"/>
+                </a:solidFill>
+              </a:rPr>
+              <a:t> </a:t>
+            </a:r>
+            <a:r>
+              <a:rPr lang="zh-CN" altLang="en-US" dirty="0">
+                <a:solidFill>
+                  <a:srgbClr val="FF0000"/>
+                </a:solidFill>
+                <a:latin typeface="宋体" panose="02010600030101010101" pitchFamily="2" charset="-122"/>
+                <a:ea typeface="宋体" panose="02010600030101010101" pitchFamily="2" charset="-122"/>
+              </a:rPr>
+              <a:t>鹽菜</a:t>
+            </a:r>
+            <a:r>
+              <a:rPr lang="en-US" dirty="0">
+                <a:solidFill>
+                  <a:srgbClr val="FF0000"/>
+                </a:solidFill>
+              </a:rPr>
+              <a:t>‘salted vegetable, pickle’ </a:t>
+            </a:r>
+            <a:r>
+              <a:rPr lang="en-US" dirty="0"/>
+              <a:t>, due to misreading of characters and continued misinterpretation of lexical semantics.</a:t>
+            </a:r>
+          </a:p>
+          <a:p>
+            <a:pPr marL="0" indent="0">
+              <a:buNone/>
+            </a:pPr>
+            <a:endParaRPr lang="en-US" dirty="0"/>
           </a:p>
         </p:txBody>
       </p:sp>
@@ -12205,7 +12463,7 @@
           <p:cNvPr id="4" name="灯片编号占位符 3">
             <a:extLst>
               <a:ext uri="{FF2B5EF4-FFF2-40B4-BE49-F238E27FC236}">
-                <a16:creationId xmlns:a16="http://schemas.microsoft.com/office/drawing/2014/main" id="{AE54ED0B-3D1F-4C3B-A994-2893A7B78579}"/>
+                <a16:creationId xmlns:a16="http://schemas.microsoft.com/office/drawing/2014/main" id="{9D3A0782-3122-4877-A4CF-BABFF805AEC8}"/>
               </a:ext>
             </a:extLst>
           </p:cNvPr>
@@ -12232,7 +12490,7 @@
     </p:spTree>
     <p:extLst>
       <p:ext uri="{BB962C8B-B14F-4D97-AF65-F5344CB8AC3E}">
-        <p14:creationId xmlns:p14="http://schemas.microsoft.com/office/powerpoint/2010/main" val="4029825566"/>
+        <p14:creationId xmlns:p14="http://schemas.microsoft.com/office/powerpoint/2010/main" val="724010617"/>
       </p:ext>
     </p:extLst>
   </p:cSld>
@@ -12418,7 +12676,7 @@
           <p:cNvPr id="2" name="标题 1">
             <a:extLst>
               <a:ext uri="{FF2B5EF4-FFF2-40B4-BE49-F238E27FC236}">
-                <a16:creationId xmlns:a16="http://schemas.microsoft.com/office/drawing/2014/main" id="{C4F85343-4BE3-468D-8166-89D45CECAC83}"/>
+                <a16:creationId xmlns:a16="http://schemas.microsoft.com/office/drawing/2014/main" id="{7BB0B99D-8403-4B0E-B0BD-7DC89DA0E015}"/>
               </a:ext>
             </a:extLst>
           </p:cNvPr>
@@ -12436,7 +12694,7 @@
           <a:p>
             <a:r>
               <a:rPr lang="en-US" dirty="0"/>
-              <a:t>References</a:t>
+              <a:t>Take-aways</a:t>
             </a:r>
           </a:p>
         </p:txBody>
@@ -12446,7 +12704,7 @@
           <p:cNvPr id="3" name="内容占位符 2">
             <a:extLst>
               <a:ext uri="{FF2B5EF4-FFF2-40B4-BE49-F238E27FC236}">
-                <a16:creationId xmlns:a16="http://schemas.microsoft.com/office/drawing/2014/main" id="{C04FB9E9-E9EC-4282-9FE3-A47FBAC94128}"/>
+                <a16:creationId xmlns:a16="http://schemas.microsoft.com/office/drawing/2014/main" id="{70C66BAE-37BF-4906-A116-1D8F706CC125}"/>
               </a:ext>
             </a:extLst>
           </p:cNvPr>
@@ -12459,546 +12717,30 @@
         </p:nvSpPr>
         <p:spPr/>
         <p:txBody>
-          <a:bodyPr>
-            <a:noAutofit/>
-          </a:bodyPr>
-          <a:lstStyle/>
-          <a:p>
-            <a:r>
-              <a:rPr lang="en-US" sz="2400" dirty="0" err="1">
-                <a:ea typeface="宋体" panose="02010600030101010101" pitchFamily="2" charset="-122"/>
-                <a:cs typeface="Calibri" panose="020F0502020204030204" pitchFamily="34" charset="0"/>
-              </a:rPr>
-              <a:t>Buddhadatta</a:t>
-            </a:r>
-            <a:r>
-              <a:rPr lang="en-US" sz="2400" dirty="0">
-                <a:ea typeface="宋体" panose="02010600030101010101" pitchFamily="2" charset="-122"/>
-                <a:cs typeface="Calibri" panose="020F0502020204030204" pitchFamily="34" charset="0"/>
-              </a:rPr>
-              <a:t>, A. P. (</a:t>
-            </a:r>
-            <a:r>
-              <a:rPr lang="en-US" sz="2400" dirty="0" err="1">
-                <a:ea typeface="宋体" panose="02010600030101010101" pitchFamily="2" charset="-122"/>
-                <a:cs typeface="Calibri" panose="020F0502020204030204" pitchFamily="34" charset="0"/>
-              </a:rPr>
-              <a:t>Ambalangoda</a:t>
-            </a:r>
-            <a:r>
-              <a:rPr lang="en-US" sz="2400" dirty="0">
-                <a:ea typeface="宋体" panose="02010600030101010101" pitchFamily="2" charset="-122"/>
-                <a:cs typeface="Calibri" panose="020F0502020204030204" pitchFamily="34" charset="0"/>
-              </a:rPr>
-              <a:t> </a:t>
-            </a:r>
-            <a:r>
-              <a:rPr lang="en-US" sz="2400" dirty="0" err="1">
-                <a:ea typeface="宋体" panose="02010600030101010101" pitchFamily="2" charset="-122"/>
-                <a:cs typeface="Calibri" panose="020F0502020204030204" pitchFamily="34" charset="0"/>
-              </a:rPr>
-              <a:t>Polvatte</a:t>
-            </a:r>
-            <a:r>
-              <a:rPr lang="en-US" sz="2400" dirty="0">
-                <a:ea typeface="宋体" panose="02010600030101010101" pitchFamily="2" charset="-122"/>
-                <a:cs typeface="Calibri" panose="020F0502020204030204" pitchFamily="34" charset="0"/>
-              </a:rPr>
-              <a:t>), 1887-1962 &amp; Pali Text Society (London, England). (1955). English-Pali dictionary / </a:t>
-            </a:r>
-            <a:r>
-              <a:rPr lang="en-US" sz="2400" dirty="0" err="1">
-                <a:ea typeface="宋体" panose="02010600030101010101" pitchFamily="2" charset="-122"/>
-                <a:cs typeface="Calibri" panose="020F0502020204030204" pitchFamily="34" charset="0"/>
-              </a:rPr>
-              <a:t>aggamahāpaṇḍita</a:t>
-            </a:r>
-            <a:r>
-              <a:rPr lang="en-US" sz="2400" dirty="0">
-                <a:ea typeface="宋体" panose="02010600030101010101" pitchFamily="2" charset="-122"/>
-                <a:cs typeface="Calibri" panose="020F0502020204030204" pitchFamily="34" charset="0"/>
-              </a:rPr>
-              <a:t> A.P. </a:t>
-            </a:r>
-            <a:r>
-              <a:rPr lang="en-US" sz="2400" dirty="0" err="1">
-                <a:ea typeface="宋体" panose="02010600030101010101" pitchFamily="2" charset="-122"/>
-                <a:cs typeface="Calibri" panose="020F0502020204030204" pitchFamily="34" charset="0"/>
-              </a:rPr>
-              <a:t>Buddhadatta</a:t>
-            </a:r>
-            <a:r>
-              <a:rPr lang="en-US" sz="2400" dirty="0">
-                <a:ea typeface="宋体" panose="02010600030101010101" pitchFamily="2" charset="-122"/>
-                <a:cs typeface="Calibri" panose="020F0502020204030204" pitchFamily="34" charset="0"/>
-              </a:rPr>
-              <a:t> </a:t>
-            </a:r>
-            <a:r>
-              <a:rPr lang="en-US" sz="2400" dirty="0" err="1">
-                <a:ea typeface="宋体" panose="02010600030101010101" pitchFamily="2" charset="-122"/>
-                <a:cs typeface="Calibri" panose="020F0502020204030204" pitchFamily="34" charset="0"/>
-              </a:rPr>
-              <a:t>Mahāthera</a:t>
-            </a:r>
-            <a:r>
-              <a:rPr lang="en-US" sz="2400" dirty="0">
-                <a:ea typeface="宋体" panose="02010600030101010101" pitchFamily="2" charset="-122"/>
-                <a:cs typeface="Calibri" panose="020F0502020204030204" pitchFamily="34" charset="0"/>
-              </a:rPr>
-              <a:t> of </a:t>
-            </a:r>
-            <a:r>
-              <a:rPr lang="en-US" sz="2400" dirty="0" err="1">
-                <a:ea typeface="宋体" panose="02010600030101010101" pitchFamily="2" charset="-122"/>
-                <a:cs typeface="Calibri" panose="020F0502020204030204" pitchFamily="34" charset="0"/>
-              </a:rPr>
-              <a:t>Aggārāma</a:t>
-            </a:r>
-            <a:r>
-              <a:rPr lang="en-US" sz="2400" dirty="0">
-                <a:ea typeface="宋体" panose="02010600030101010101" pitchFamily="2" charset="-122"/>
-                <a:cs typeface="Calibri" panose="020F0502020204030204" pitchFamily="34" charset="0"/>
-              </a:rPr>
-              <a:t>, </a:t>
-            </a:r>
-            <a:r>
-              <a:rPr lang="en-US" sz="2400" dirty="0" err="1">
-                <a:ea typeface="宋体" panose="02010600030101010101" pitchFamily="2" charset="-122"/>
-                <a:cs typeface="Calibri" panose="020F0502020204030204" pitchFamily="34" charset="0"/>
-              </a:rPr>
-              <a:t>Ambalangoda</a:t>
-            </a:r>
-            <a:r>
-              <a:rPr lang="en-US" sz="2400" dirty="0">
-                <a:ea typeface="宋体" panose="02010600030101010101" pitchFamily="2" charset="-122"/>
-                <a:cs typeface="Calibri" panose="020F0502020204030204" pitchFamily="34" charset="0"/>
-              </a:rPr>
-              <a:t>. Colombo [Ceylon] : Colombo Apothecaries, for the Pali Text Society</a:t>
-            </a:r>
-          </a:p>
-          <a:p>
-            <a:r>
-              <a:rPr lang="en-US" altLang="zh-CN" sz="2400" dirty="0">
-                <a:ea typeface="宋体" panose="02010600030101010101" pitchFamily="2" charset="-122"/>
-                <a:cs typeface="Calibri" panose="020F0502020204030204" pitchFamily="34" charset="0"/>
-              </a:rPr>
-              <a:t>Xu, </a:t>
-            </a:r>
-            <a:r>
-              <a:rPr lang="en-US" altLang="zh-CN" sz="2400" dirty="0" err="1">
-                <a:ea typeface="宋体" panose="02010600030101010101" pitchFamily="2" charset="-122"/>
-                <a:cs typeface="Calibri" panose="020F0502020204030204" pitchFamily="34" charset="0"/>
-              </a:rPr>
-              <a:t>Duoyi</a:t>
-            </a:r>
-            <a:r>
-              <a:rPr lang="en-US" altLang="zh-CN" sz="2400" dirty="0">
-                <a:ea typeface="宋体" panose="02010600030101010101" pitchFamily="2" charset="-122"/>
-                <a:cs typeface="Calibri" panose="020F0502020204030204" pitchFamily="34" charset="0"/>
-              </a:rPr>
-              <a:t> (</a:t>
-            </a:r>
-            <a:r>
-              <a:rPr lang="zh-CN" altLang="en-US" sz="2400" dirty="0">
-                <a:ea typeface="宋体" panose="02010600030101010101" pitchFamily="2" charset="-122"/>
-                <a:cs typeface="Calibri" panose="020F0502020204030204" pitchFamily="34" charset="0"/>
-              </a:rPr>
-              <a:t>徐多懿</a:t>
-            </a:r>
-            <a:r>
-              <a:rPr lang="en-US" altLang="zh-CN" sz="2400" dirty="0">
-                <a:ea typeface="宋体" panose="02010600030101010101" pitchFamily="2" charset="-122"/>
-                <a:cs typeface="Calibri" panose="020F0502020204030204" pitchFamily="34" charset="0"/>
-              </a:rPr>
-              <a:t>).《</a:t>
-            </a:r>
-            <a:r>
-              <a:rPr lang="zh-CN" altLang="en-US" sz="2400" dirty="0">
-                <a:ea typeface="宋体" panose="02010600030101010101" pitchFamily="2" charset="-122"/>
-                <a:cs typeface="Calibri" panose="020F0502020204030204" pitchFamily="34" charset="0"/>
-              </a:rPr>
-              <a:t>顔氏家訓</a:t>
-            </a:r>
-            <a:r>
-              <a:rPr lang="en-US" altLang="zh-CN" sz="2400" dirty="0">
-                <a:ea typeface="宋体" panose="02010600030101010101" pitchFamily="2" charset="-122"/>
-                <a:cs typeface="Calibri" panose="020F0502020204030204" pitchFamily="34" charset="0"/>
-              </a:rPr>
-              <a:t>》"</a:t>
-            </a:r>
-            <a:r>
-              <a:rPr lang="zh-CN" altLang="en-US" sz="2400" dirty="0">
-                <a:ea typeface="宋体" panose="02010600030101010101" pitchFamily="2" charset="-122"/>
-                <a:cs typeface="Calibri" panose="020F0502020204030204" pitchFamily="34" charset="0"/>
-              </a:rPr>
-              <a:t>薑菜</a:t>
-            </a:r>
-            <a:r>
-              <a:rPr lang="en-US" altLang="zh-CN" sz="2400" dirty="0">
-                <a:ea typeface="宋体" panose="02010600030101010101" pitchFamily="2" charset="-122"/>
-                <a:cs typeface="Calibri" panose="020F0502020204030204" pitchFamily="34" charset="0"/>
-              </a:rPr>
-              <a:t>"</a:t>
-            </a:r>
-            <a:r>
-              <a:rPr lang="zh-CN" altLang="en-US" sz="2400" dirty="0">
-                <a:ea typeface="宋体" panose="02010600030101010101" pitchFamily="2" charset="-122"/>
-                <a:cs typeface="Calibri" panose="020F0502020204030204" pitchFamily="34" charset="0"/>
-              </a:rPr>
-              <a:t>該作何解</a:t>
-            </a:r>
-            <a:r>
-              <a:rPr lang="en-US" altLang="zh-CN" sz="2400" dirty="0">
-                <a:ea typeface="宋体" panose="02010600030101010101" pitchFamily="2" charset="-122"/>
-                <a:cs typeface="Calibri" panose="020F0502020204030204" pitchFamily="34" charset="0"/>
-              </a:rPr>
-              <a:t>? [How to Explain </a:t>
-            </a:r>
-            <a:r>
-              <a:rPr lang="en-US" altLang="zh-CN" sz="2400" i="1" dirty="0" err="1">
-                <a:ea typeface="宋体" panose="02010600030101010101" pitchFamily="2" charset="-122"/>
-                <a:cs typeface="Calibri" panose="020F0502020204030204" pitchFamily="34" charset="0"/>
-              </a:rPr>
-              <a:t>Jiangcai</a:t>
-            </a:r>
-            <a:r>
-              <a:rPr lang="zh-CN" altLang="en-US" sz="2400" dirty="0">
-                <a:ea typeface="宋体" panose="02010600030101010101" pitchFamily="2" charset="-122"/>
-                <a:cs typeface="Calibri" panose="020F0502020204030204" pitchFamily="34" charset="0"/>
-              </a:rPr>
-              <a:t>（薑菜）</a:t>
-            </a:r>
-            <a:r>
-              <a:rPr lang="en-US" altLang="zh-CN" sz="2400" dirty="0">
-                <a:ea typeface="宋体" panose="02010600030101010101" pitchFamily="2" charset="-122"/>
-                <a:cs typeface="Calibri" panose="020F0502020204030204" pitchFamily="34" charset="0"/>
-              </a:rPr>
-              <a:t>in </a:t>
-            </a:r>
-            <a:r>
-              <a:rPr lang="en-US" altLang="zh-CN" sz="2400" i="1" dirty="0" err="1">
-                <a:ea typeface="宋体" panose="02010600030101010101" pitchFamily="2" charset="-122"/>
-                <a:cs typeface="Calibri" panose="020F0502020204030204" pitchFamily="34" charset="0"/>
-              </a:rPr>
-              <a:t>Yanshi</a:t>
-            </a:r>
-            <a:r>
-              <a:rPr lang="en-US" altLang="zh-CN" sz="2400" i="1" dirty="0">
-                <a:ea typeface="宋体" panose="02010600030101010101" pitchFamily="2" charset="-122"/>
-                <a:cs typeface="Calibri" panose="020F0502020204030204" pitchFamily="34" charset="0"/>
-              </a:rPr>
-              <a:t> </a:t>
-            </a:r>
-            <a:r>
-              <a:rPr lang="en-US" altLang="zh-CN" sz="2400" i="1" dirty="0" err="1">
-                <a:ea typeface="宋体" panose="02010600030101010101" pitchFamily="2" charset="-122"/>
-                <a:cs typeface="Calibri" panose="020F0502020204030204" pitchFamily="34" charset="0"/>
-              </a:rPr>
-              <a:t>Jiaxun</a:t>
-            </a:r>
-            <a:r>
-              <a:rPr lang="en-US" altLang="zh-CN" sz="2400" i="1" dirty="0">
-                <a:ea typeface="宋体" panose="02010600030101010101" pitchFamily="2" charset="-122"/>
-                <a:cs typeface="Calibri" panose="020F0502020204030204" pitchFamily="34" charset="0"/>
-              </a:rPr>
-              <a:t> </a:t>
-            </a:r>
-            <a:r>
-              <a:rPr lang="zh-CN" altLang="en-US" sz="2400" dirty="0">
-                <a:ea typeface="宋体" panose="02010600030101010101" pitchFamily="2" charset="-122"/>
-                <a:cs typeface="Calibri" panose="020F0502020204030204" pitchFamily="34" charset="0"/>
-              </a:rPr>
-              <a:t>？</a:t>
-            </a:r>
-            <a:r>
-              <a:rPr lang="en-US" altLang="zh-CN" sz="2400" dirty="0">
-                <a:ea typeface="宋体" panose="02010600030101010101" pitchFamily="2" charset="-122"/>
-                <a:cs typeface="Calibri" panose="020F0502020204030204" pitchFamily="34" charset="0"/>
-              </a:rPr>
-              <a:t>].</a:t>
-            </a:r>
-            <a:r>
-              <a:rPr lang="en-US" sz="2400" dirty="0">
-                <a:ea typeface="宋体" panose="02010600030101010101" pitchFamily="2" charset="-122"/>
-                <a:cs typeface="Calibri" panose="020F0502020204030204" pitchFamily="34" charset="0"/>
-              </a:rPr>
-              <a:t> Journal of Chinese Language History</a:t>
-            </a:r>
-            <a:r>
-              <a:rPr lang="en-US" altLang="zh-CN" sz="2400" dirty="0">
-                <a:ea typeface="宋体" panose="02010600030101010101" pitchFamily="2" charset="-122"/>
-                <a:cs typeface="Calibri" panose="020F0502020204030204" pitchFamily="34" charset="0"/>
-              </a:rPr>
-              <a:t>,2021,(1)</a:t>
-            </a:r>
-            <a:r>
-              <a:rPr lang="zh-CN" altLang="en-US" sz="2400" dirty="0">
-                <a:ea typeface="宋体" panose="02010600030101010101" pitchFamily="2" charset="-122"/>
-                <a:cs typeface="Calibri" panose="020F0502020204030204" pitchFamily="34" charset="0"/>
-              </a:rPr>
-              <a:t>：</a:t>
-            </a:r>
-            <a:r>
-              <a:rPr lang="en-US" altLang="zh-CN" sz="2400" dirty="0">
-                <a:ea typeface="宋体" panose="02010600030101010101" pitchFamily="2" charset="-122"/>
-                <a:cs typeface="Calibri" panose="020F0502020204030204" pitchFamily="34" charset="0"/>
-              </a:rPr>
-              <a:t>166-170.</a:t>
-            </a:r>
-          </a:p>
-          <a:p>
-            <a:r>
-              <a:rPr lang="en-US" altLang="zh-CN" sz="2400" dirty="0">
-                <a:ea typeface="宋体" panose="02010600030101010101" pitchFamily="2" charset="-122"/>
-                <a:cs typeface="Calibri" panose="020F0502020204030204" pitchFamily="34" charset="0"/>
-              </a:rPr>
-              <a:t>You, Li (</a:t>
-            </a:r>
-            <a:r>
-              <a:rPr lang="zh-CN" altLang="en-US" sz="2400" dirty="0">
-                <a:ea typeface="宋体" panose="02010600030101010101" pitchFamily="2" charset="-122"/>
-                <a:cs typeface="Calibri" panose="020F0502020204030204" pitchFamily="34" charset="0"/>
-              </a:rPr>
-              <a:t>游黎</a:t>
-            </a:r>
-            <a:r>
-              <a:rPr lang="en-US" altLang="zh-CN" sz="2400" dirty="0">
-                <a:ea typeface="宋体" panose="02010600030101010101" pitchFamily="2" charset="-122"/>
-                <a:cs typeface="Calibri" panose="020F0502020204030204" pitchFamily="34" charset="0"/>
-              </a:rPr>
-              <a:t>).《</a:t>
-            </a:r>
-            <a:r>
-              <a:rPr lang="zh-CN" altLang="en-US" sz="2400" dirty="0">
-                <a:ea typeface="宋体" panose="02010600030101010101" pitchFamily="2" charset="-122"/>
-                <a:cs typeface="Calibri" panose="020F0502020204030204" pitchFamily="34" charset="0"/>
-              </a:rPr>
-              <a:t>颜氏家训</a:t>
-            </a:r>
-            <a:r>
-              <a:rPr lang="en-US" altLang="zh-CN" sz="2400" dirty="0">
-                <a:ea typeface="宋体" panose="02010600030101010101" pitchFamily="2" charset="-122"/>
-                <a:cs typeface="Calibri" panose="020F0502020204030204" pitchFamily="34" charset="0"/>
-              </a:rPr>
-              <a:t>》</a:t>
-            </a:r>
-            <a:r>
-              <a:rPr lang="zh-CN" altLang="en-US" sz="2400" dirty="0">
-                <a:ea typeface="宋体" panose="02010600030101010101" pitchFamily="2" charset="-122"/>
-                <a:cs typeface="Calibri" panose="020F0502020204030204" pitchFamily="34" charset="0"/>
-              </a:rPr>
-              <a:t>语词补释</a:t>
-            </a:r>
-            <a:r>
-              <a:rPr lang="en-US" altLang="zh-CN" sz="2400" dirty="0">
-                <a:ea typeface="宋体" panose="02010600030101010101" pitchFamily="2" charset="-122"/>
-                <a:cs typeface="Calibri" panose="020F0502020204030204" pitchFamily="34" charset="0"/>
-              </a:rPr>
-              <a:t>[Annotation on words in </a:t>
-            </a:r>
-            <a:r>
-              <a:rPr lang="en-US" altLang="zh-CN" sz="2400" i="1" dirty="0" err="1">
-                <a:ea typeface="宋体" panose="02010600030101010101" pitchFamily="2" charset="-122"/>
-                <a:cs typeface="Calibri" panose="020F0502020204030204" pitchFamily="34" charset="0"/>
-              </a:rPr>
-              <a:t>Yanshi</a:t>
-            </a:r>
-            <a:r>
-              <a:rPr lang="en-US" altLang="zh-CN" sz="2400" i="1" dirty="0">
-                <a:ea typeface="宋体" panose="02010600030101010101" pitchFamily="2" charset="-122"/>
-                <a:cs typeface="Calibri" panose="020F0502020204030204" pitchFamily="34" charset="0"/>
-              </a:rPr>
-              <a:t> </a:t>
-            </a:r>
-            <a:r>
-              <a:rPr lang="en-US" altLang="zh-CN" sz="2400" i="1" dirty="0" err="1">
-                <a:ea typeface="宋体" panose="02010600030101010101" pitchFamily="2" charset="-122"/>
-                <a:cs typeface="Calibri" panose="020F0502020204030204" pitchFamily="34" charset="0"/>
-              </a:rPr>
-              <a:t>Jiaxun</a:t>
-            </a:r>
-            <a:r>
-              <a:rPr lang="en-US" altLang="zh-CN" sz="2400" dirty="0">
-                <a:ea typeface="宋体" panose="02010600030101010101" pitchFamily="2" charset="-122"/>
-                <a:cs typeface="Calibri" panose="020F0502020204030204" pitchFamily="34" charset="0"/>
-              </a:rPr>
-              <a:t>].</a:t>
-            </a:r>
-            <a:r>
-              <a:rPr lang="en-US" sz="2400" i="1" dirty="0">
-                <a:ea typeface="宋体" panose="02010600030101010101" pitchFamily="2" charset="-122"/>
-                <a:cs typeface="Calibri" panose="020F0502020204030204" pitchFamily="34" charset="0"/>
-              </a:rPr>
-              <a:t> Journal of Chinese Linguistics</a:t>
-            </a:r>
-            <a:r>
-              <a:rPr lang="en-US" altLang="zh-CN" sz="2400" dirty="0">
-                <a:ea typeface="宋体" panose="02010600030101010101" pitchFamily="2" charset="-122"/>
-                <a:cs typeface="Calibri" panose="020F0502020204030204" pitchFamily="34" charset="0"/>
-              </a:rPr>
-              <a:t>,2017,(6)</a:t>
-            </a:r>
-            <a:r>
-              <a:rPr lang="zh-CN" altLang="en-US" sz="2400" dirty="0">
-                <a:ea typeface="宋体" panose="02010600030101010101" pitchFamily="2" charset="-122"/>
-                <a:cs typeface="Calibri" panose="020F0502020204030204" pitchFamily="34" charset="0"/>
-              </a:rPr>
-              <a:t>：</a:t>
-            </a:r>
-            <a:r>
-              <a:rPr lang="en-US" altLang="zh-CN" sz="2400" dirty="0">
-                <a:ea typeface="宋体" panose="02010600030101010101" pitchFamily="2" charset="-122"/>
-                <a:cs typeface="Calibri" panose="020F0502020204030204" pitchFamily="34" charset="0"/>
-              </a:rPr>
-              <a:t>759-76</a:t>
-            </a:r>
-          </a:p>
-          <a:p>
-            <a:r>
-              <a:rPr lang="en-US" altLang="zh-CN" sz="2400" dirty="0">
-                <a:ea typeface="宋体" panose="02010600030101010101" pitchFamily="2" charset="-122"/>
-                <a:cs typeface="Calibri" panose="020F0502020204030204" pitchFamily="34" charset="0"/>
-              </a:rPr>
-              <a:t>Zhao, </a:t>
-            </a:r>
-            <a:r>
-              <a:rPr lang="en-US" altLang="zh-CN" sz="2400" dirty="0" err="1">
-                <a:ea typeface="宋体" panose="02010600030101010101" pitchFamily="2" charset="-122"/>
-                <a:cs typeface="Calibri" panose="020F0502020204030204" pitchFamily="34" charset="0"/>
-              </a:rPr>
-              <a:t>Jinglian</a:t>
-            </a:r>
-            <a:r>
-              <a:rPr lang="en-US" altLang="zh-CN" sz="2400" dirty="0">
-                <a:ea typeface="宋体" panose="02010600030101010101" pitchFamily="2" charset="-122"/>
-                <a:cs typeface="Calibri" panose="020F0502020204030204" pitchFamily="34" charset="0"/>
-              </a:rPr>
-              <a:t> (</a:t>
-            </a:r>
-            <a:r>
-              <a:rPr lang="zh-CN" altLang="en-US" sz="2400" dirty="0">
-                <a:ea typeface="宋体" panose="02010600030101010101" pitchFamily="2" charset="-122"/>
-                <a:cs typeface="Calibri" panose="020F0502020204030204" pitchFamily="34" charset="0"/>
-              </a:rPr>
-              <a:t>赵静莲</a:t>
-            </a:r>
-            <a:r>
-              <a:rPr lang="en-US" altLang="zh-CN" sz="2400" dirty="0">
-                <a:ea typeface="宋体" panose="02010600030101010101" pitchFamily="2" charset="-122"/>
-                <a:cs typeface="Calibri" panose="020F0502020204030204" pitchFamily="34" charset="0"/>
-              </a:rPr>
-              <a:t>).“</a:t>
-            </a:r>
-            <a:r>
-              <a:rPr lang="zh-CN" altLang="en-US" sz="2400" dirty="0">
-                <a:ea typeface="宋体" panose="02010600030101010101" pitchFamily="2" charset="-122"/>
-                <a:cs typeface="Calibri" panose="020F0502020204030204" pitchFamily="34" charset="0"/>
-              </a:rPr>
-              <a:t>薑</a:t>
-            </a:r>
-            <a:r>
-              <a:rPr lang="en-US" altLang="zh-CN" sz="2400" dirty="0">
-                <a:ea typeface="宋体" panose="02010600030101010101" pitchFamily="2" charset="-122"/>
-                <a:cs typeface="Calibri" panose="020F0502020204030204" pitchFamily="34" charset="0"/>
-              </a:rPr>
-              <a:t>(</a:t>
-            </a:r>
-            <a:r>
-              <a:rPr lang="zh-CN" altLang="en-US" sz="2400" dirty="0">
-                <a:ea typeface="宋体" panose="02010600030101010101" pitchFamily="2" charset="-122"/>
-                <a:cs typeface="Calibri" panose="020F0502020204030204" pitchFamily="34" charset="0"/>
-              </a:rPr>
-              <a:t>壃</a:t>
-            </a:r>
-            <a:r>
-              <a:rPr lang="en-US" altLang="zh-CN" sz="2400" dirty="0">
-                <a:ea typeface="宋体" panose="02010600030101010101" pitchFamily="2" charset="-122"/>
-                <a:cs typeface="Calibri" panose="020F0502020204030204" pitchFamily="34" charset="0"/>
-              </a:rPr>
-              <a:t>)</a:t>
-            </a:r>
-            <a:r>
-              <a:rPr lang="zh-CN" altLang="en-US" sz="2400" dirty="0">
-                <a:ea typeface="宋体" panose="02010600030101010101" pitchFamily="2" charset="-122"/>
-                <a:cs typeface="Calibri" panose="020F0502020204030204" pitchFamily="34" charset="0"/>
-              </a:rPr>
-              <a:t>菜</a:t>
-            </a:r>
-            <a:r>
-              <a:rPr lang="en-US" altLang="zh-CN" sz="2400" dirty="0">
-                <a:ea typeface="宋体" panose="02010600030101010101" pitchFamily="2" charset="-122"/>
-                <a:cs typeface="Calibri" panose="020F0502020204030204" pitchFamily="34" charset="0"/>
-              </a:rPr>
-              <a:t>” </a:t>
-            </a:r>
-            <a:r>
-              <a:rPr lang="zh-CN" altLang="en-US" sz="2400" dirty="0">
-                <a:ea typeface="宋体" panose="02010600030101010101" pitchFamily="2" charset="-122"/>
-                <a:cs typeface="Calibri" panose="020F0502020204030204" pitchFamily="34" charset="0"/>
-              </a:rPr>
-              <a:t>辨</a:t>
-            </a:r>
-            <a:r>
-              <a:rPr lang="en-US" altLang="zh-CN" sz="2400" dirty="0">
-                <a:ea typeface="宋体" panose="02010600030101010101" pitchFamily="2" charset="-122"/>
-                <a:cs typeface="Calibri" panose="020F0502020204030204" pitchFamily="34" charset="0"/>
-              </a:rPr>
-              <a:t>[Reinterpretation of </a:t>
-            </a:r>
-            <a:r>
-              <a:rPr lang="en-US" altLang="zh-CN" sz="2400" i="1" dirty="0" err="1">
-                <a:ea typeface="宋体" panose="02010600030101010101" pitchFamily="2" charset="-122"/>
-                <a:cs typeface="Calibri" panose="020F0502020204030204" pitchFamily="34" charset="0"/>
-              </a:rPr>
-              <a:t>jiangcai</a:t>
-            </a:r>
-            <a:r>
-              <a:rPr lang="en-US" altLang="zh-CN" sz="2400" dirty="0">
-                <a:ea typeface="宋体" panose="02010600030101010101" pitchFamily="2" charset="-122"/>
-                <a:cs typeface="Calibri" panose="020F0502020204030204" pitchFamily="34" charset="0"/>
-              </a:rPr>
-              <a:t>].</a:t>
-            </a:r>
-            <a:r>
-              <a:rPr lang="zh-CN" altLang="en-US" sz="2400" dirty="0">
-                <a:ea typeface="宋体" panose="02010600030101010101" pitchFamily="2" charset="-122"/>
-                <a:cs typeface="Calibri" panose="020F0502020204030204" pitchFamily="34" charset="0"/>
-              </a:rPr>
-              <a:t> </a:t>
-            </a:r>
-            <a:r>
-              <a:rPr lang="en-US" sz="2400" i="1" dirty="0">
-                <a:ea typeface="宋体" panose="02010600030101010101" pitchFamily="2" charset="-122"/>
-                <a:cs typeface="Calibri" panose="020F0502020204030204" pitchFamily="34" charset="0"/>
-              </a:rPr>
-              <a:t>Journal of Chinese Linguistics</a:t>
-            </a:r>
-            <a:r>
-              <a:rPr lang="en-US" altLang="zh-CN" sz="2400" dirty="0">
-                <a:ea typeface="宋体" panose="02010600030101010101" pitchFamily="2" charset="-122"/>
-                <a:cs typeface="Calibri" panose="020F0502020204030204" pitchFamily="34" charset="0"/>
-              </a:rPr>
-              <a:t>,2020,(2)</a:t>
-            </a:r>
-            <a:r>
-              <a:rPr lang="zh-CN" altLang="en-US" sz="2400" dirty="0">
-                <a:ea typeface="宋体" panose="02010600030101010101" pitchFamily="2" charset="-122"/>
-                <a:cs typeface="Calibri" panose="020F0502020204030204" pitchFamily="34" charset="0"/>
-              </a:rPr>
-              <a:t>：</a:t>
-            </a:r>
-            <a:r>
-              <a:rPr lang="en-US" altLang="zh-CN" sz="2400" dirty="0">
-                <a:ea typeface="宋体" panose="02010600030101010101" pitchFamily="2" charset="-122"/>
-                <a:cs typeface="Calibri" panose="020F0502020204030204" pitchFamily="34" charset="0"/>
-              </a:rPr>
-              <a:t>238-240.</a:t>
-            </a:r>
-            <a:endParaRPr lang="en-US" sz="2400" dirty="0">
-              <a:ea typeface="宋体" panose="02010600030101010101" pitchFamily="2" charset="-122"/>
-              <a:cs typeface="Calibri" panose="020F0502020204030204" pitchFamily="34" charset="0"/>
-            </a:endParaRPr>
+          <a:bodyPr/>
+          <a:lstStyle/>
+          <a:p>
+            <a:r>
+              <a:rPr lang="en-US" dirty="0"/>
+              <a:t>Different types of evidence may lead to different interpretation</a:t>
+            </a:r>
+            <a:r>
+              <a:rPr lang="en-US" altLang="zh-CN" dirty="0"/>
+              <a:t>s</a:t>
+            </a:r>
+            <a:r>
+              <a:rPr lang="en-US" dirty="0"/>
+              <a:t>.</a:t>
+            </a:r>
+          </a:p>
+          <a:p>
+            <a:endParaRPr lang="en-US" dirty="0"/>
+          </a:p>
+          <a:p>
+            <a:r>
+              <a:rPr lang="en-US" dirty="0"/>
+              <a:t>Parallel texts of various languages should be referred to whenever possible.</a:t>
+            </a:r>
           </a:p>
         </p:txBody>
       </p:sp>
@@ -13007,7 +12749,7 @@
           <p:cNvPr id="4" name="灯片编号占位符 3">
             <a:extLst>
               <a:ext uri="{FF2B5EF4-FFF2-40B4-BE49-F238E27FC236}">
-                <a16:creationId xmlns:a16="http://schemas.microsoft.com/office/drawing/2014/main" id="{31EA4C19-A2FA-4EF1-B7C6-8B78A360426E}"/>
+                <a16:creationId xmlns:a16="http://schemas.microsoft.com/office/drawing/2014/main" id="{AE54ED0B-3D1F-4C3B-A994-2893A7B78579}"/>
               </a:ext>
             </a:extLst>
           </p:cNvPr>
@@ -13034,7 +12776,7 @@
     </p:spTree>
     <p:extLst>
       <p:ext uri="{BB962C8B-B14F-4D97-AF65-F5344CB8AC3E}">
-        <p14:creationId xmlns:p14="http://schemas.microsoft.com/office/powerpoint/2010/main" val="2762022565"/>
+        <p14:creationId xmlns:p14="http://schemas.microsoft.com/office/powerpoint/2010/main" val="4029825566"/>
       </p:ext>
     </p:extLst>
   </p:cSld>
@@ -13063,6 +12805,654 @@
       </p:grpSpPr>
       <p:sp>
         <p:nvSpPr>
+          <p:cNvPr id="2" name="标题 1">
+            <a:extLst>
+              <a:ext uri="{FF2B5EF4-FFF2-40B4-BE49-F238E27FC236}">
+                <a16:creationId xmlns:a16="http://schemas.microsoft.com/office/drawing/2014/main" id="{C4F85343-4BE3-468D-8166-89D45CECAC83}"/>
+              </a:ext>
+            </a:extLst>
+          </p:cNvPr>
+          <p:cNvSpPr>
+            <a:spLocks noGrp="1"/>
+          </p:cNvSpPr>
+          <p:nvPr>
+            <p:ph type="title"/>
+          </p:nvPr>
+        </p:nvSpPr>
+        <p:spPr/>
+        <p:txBody>
+          <a:bodyPr/>
+          <a:lstStyle/>
+          <a:p>
+            <a:r>
+              <a:rPr lang="en-US" dirty="0"/>
+              <a:t>References</a:t>
+            </a:r>
+          </a:p>
+        </p:txBody>
+      </p:sp>
+      <p:sp>
+        <p:nvSpPr>
+          <p:cNvPr id="3" name="内容占位符 2">
+            <a:extLst>
+              <a:ext uri="{FF2B5EF4-FFF2-40B4-BE49-F238E27FC236}">
+                <a16:creationId xmlns:a16="http://schemas.microsoft.com/office/drawing/2014/main" id="{C04FB9E9-E9EC-4282-9FE3-A47FBAC94128}"/>
+              </a:ext>
+            </a:extLst>
+          </p:cNvPr>
+          <p:cNvSpPr>
+            <a:spLocks noGrp="1"/>
+          </p:cNvSpPr>
+          <p:nvPr>
+            <p:ph idx="1"/>
+          </p:nvPr>
+        </p:nvSpPr>
+        <p:spPr/>
+        <p:txBody>
+          <a:bodyPr>
+            <a:noAutofit/>
+          </a:bodyPr>
+          <a:lstStyle/>
+          <a:p>
+            <a:r>
+              <a:rPr lang="en-US" sz="2400" dirty="0" err="1">
+                <a:ea typeface="宋体" panose="02010600030101010101" pitchFamily="2" charset="-122"/>
+                <a:cs typeface="Calibri" panose="020F0502020204030204" pitchFamily="34" charset="0"/>
+              </a:rPr>
+              <a:t>Buddhadatta</a:t>
+            </a:r>
+            <a:r>
+              <a:rPr lang="en-US" sz="2400" dirty="0">
+                <a:ea typeface="宋体" panose="02010600030101010101" pitchFamily="2" charset="-122"/>
+                <a:cs typeface="Calibri" panose="020F0502020204030204" pitchFamily="34" charset="0"/>
+              </a:rPr>
+              <a:t>, A. P. (</a:t>
+            </a:r>
+            <a:r>
+              <a:rPr lang="en-US" sz="2400" dirty="0" err="1">
+                <a:ea typeface="宋体" panose="02010600030101010101" pitchFamily="2" charset="-122"/>
+                <a:cs typeface="Calibri" panose="020F0502020204030204" pitchFamily="34" charset="0"/>
+              </a:rPr>
+              <a:t>Ambalangoda</a:t>
+            </a:r>
+            <a:r>
+              <a:rPr lang="en-US" sz="2400" dirty="0">
+                <a:ea typeface="宋体" panose="02010600030101010101" pitchFamily="2" charset="-122"/>
+                <a:cs typeface="Calibri" panose="020F0502020204030204" pitchFamily="34" charset="0"/>
+              </a:rPr>
+              <a:t> </a:t>
+            </a:r>
+            <a:r>
+              <a:rPr lang="en-US" sz="2400" dirty="0" err="1">
+                <a:ea typeface="宋体" panose="02010600030101010101" pitchFamily="2" charset="-122"/>
+                <a:cs typeface="Calibri" panose="020F0502020204030204" pitchFamily="34" charset="0"/>
+              </a:rPr>
+              <a:t>Polvatte</a:t>
+            </a:r>
+            <a:r>
+              <a:rPr lang="en-US" sz="2400" dirty="0">
+                <a:ea typeface="宋体" panose="02010600030101010101" pitchFamily="2" charset="-122"/>
+                <a:cs typeface="Calibri" panose="020F0502020204030204" pitchFamily="34" charset="0"/>
+              </a:rPr>
+              <a:t>), 1887-1962 &amp; Pali Text Society (London, England). (1955). English-Pali dictionary / </a:t>
+            </a:r>
+            <a:r>
+              <a:rPr lang="en-US" sz="2400" dirty="0" err="1">
+                <a:ea typeface="宋体" panose="02010600030101010101" pitchFamily="2" charset="-122"/>
+                <a:cs typeface="Calibri" panose="020F0502020204030204" pitchFamily="34" charset="0"/>
+              </a:rPr>
+              <a:t>aggamahāpaṇḍita</a:t>
+            </a:r>
+            <a:r>
+              <a:rPr lang="en-US" sz="2400" dirty="0">
+                <a:ea typeface="宋体" panose="02010600030101010101" pitchFamily="2" charset="-122"/>
+                <a:cs typeface="Calibri" panose="020F0502020204030204" pitchFamily="34" charset="0"/>
+              </a:rPr>
+              <a:t> A.P. </a:t>
+            </a:r>
+            <a:r>
+              <a:rPr lang="en-US" sz="2400" dirty="0" err="1">
+                <a:ea typeface="宋体" panose="02010600030101010101" pitchFamily="2" charset="-122"/>
+                <a:cs typeface="Calibri" panose="020F0502020204030204" pitchFamily="34" charset="0"/>
+              </a:rPr>
+              <a:t>Buddhadatta</a:t>
+            </a:r>
+            <a:r>
+              <a:rPr lang="en-US" sz="2400" dirty="0">
+                <a:ea typeface="宋体" panose="02010600030101010101" pitchFamily="2" charset="-122"/>
+                <a:cs typeface="Calibri" panose="020F0502020204030204" pitchFamily="34" charset="0"/>
+              </a:rPr>
+              <a:t> </a:t>
+            </a:r>
+            <a:r>
+              <a:rPr lang="en-US" sz="2400" dirty="0" err="1">
+                <a:ea typeface="宋体" panose="02010600030101010101" pitchFamily="2" charset="-122"/>
+                <a:cs typeface="Calibri" panose="020F0502020204030204" pitchFamily="34" charset="0"/>
+              </a:rPr>
+              <a:t>Mahāthera</a:t>
+            </a:r>
+            <a:r>
+              <a:rPr lang="en-US" sz="2400" dirty="0">
+                <a:ea typeface="宋体" panose="02010600030101010101" pitchFamily="2" charset="-122"/>
+                <a:cs typeface="Calibri" panose="020F0502020204030204" pitchFamily="34" charset="0"/>
+              </a:rPr>
+              <a:t> of </a:t>
+            </a:r>
+            <a:r>
+              <a:rPr lang="en-US" sz="2400" dirty="0" err="1">
+                <a:ea typeface="宋体" panose="02010600030101010101" pitchFamily="2" charset="-122"/>
+                <a:cs typeface="Calibri" panose="020F0502020204030204" pitchFamily="34" charset="0"/>
+              </a:rPr>
+              <a:t>Aggārāma</a:t>
+            </a:r>
+            <a:r>
+              <a:rPr lang="en-US" sz="2400" dirty="0">
+                <a:ea typeface="宋体" panose="02010600030101010101" pitchFamily="2" charset="-122"/>
+                <a:cs typeface="Calibri" panose="020F0502020204030204" pitchFamily="34" charset="0"/>
+              </a:rPr>
+              <a:t>, </a:t>
+            </a:r>
+            <a:r>
+              <a:rPr lang="en-US" sz="2400" dirty="0" err="1">
+                <a:ea typeface="宋体" panose="02010600030101010101" pitchFamily="2" charset="-122"/>
+                <a:cs typeface="Calibri" panose="020F0502020204030204" pitchFamily="34" charset="0"/>
+              </a:rPr>
+              <a:t>Ambalangoda</a:t>
+            </a:r>
+            <a:r>
+              <a:rPr lang="en-US" sz="2400" dirty="0">
+                <a:ea typeface="宋体" panose="02010600030101010101" pitchFamily="2" charset="-122"/>
+                <a:cs typeface="Calibri" panose="020F0502020204030204" pitchFamily="34" charset="0"/>
+              </a:rPr>
+              <a:t>. Colombo [Ceylon] : Colombo Apothecaries, for the Pali Text Society</a:t>
+            </a:r>
+          </a:p>
+          <a:p>
+            <a:r>
+              <a:rPr lang="en-US" altLang="zh-CN" sz="2400" dirty="0">
+                <a:ea typeface="宋体" panose="02010600030101010101" pitchFamily="2" charset="-122"/>
+                <a:cs typeface="Calibri" panose="020F0502020204030204" pitchFamily="34" charset="0"/>
+              </a:rPr>
+              <a:t>Xu, </a:t>
+            </a:r>
+            <a:r>
+              <a:rPr lang="en-US" altLang="zh-CN" sz="2400" dirty="0" err="1">
+                <a:ea typeface="宋体" panose="02010600030101010101" pitchFamily="2" charset="-122"/>
+                <a:cs typeface="Calibri" panose="020F0502020204030204" pitchFamily="34" charset="0"/>
+              </a:rPr>
+              <a:t>Duoyi</a:t>
+            </a:r>
+            <a:r>
+              <a:rPr lang="en-US" altLang="zh-CN" sz="2400" dirty="0">
+                <a:ea typeface="宋体" panose="02010600030101010101" pitchFamily="2" charset="-122"/>
+                <a:cs typeface="Calibri" panose="020F0502020204030204" pitchFamily="34" charset="0"/>
+              </a:rPr>
+              <a:t> (</a:t>
+            </a:r>
+            <a:r>
+              <a:rPr lang="zh-CN" altLang="en-US" sz="2400" dirty="0">
+                <a:ea typeface="宋体" panose="02010600030101010101" pitchFamily="2" charset="-122"/>
+                <a:cs typeface="Calibri" panose="020F0502020204030204" pitchFamily="34" charset="0"/>
+              </a:rPr>
+              <a:t>徐多懿</a:t>
+            </a:r>
+            <a:r>
+              <a:rPr lang="en-US" altLang="zh-CN" sz="2400" dirty="0">
+                <a:ea typeface="宋体" panose="02010600030101010101" pitchFamily="2" charset="-122"/>
+                <a:cs typeface="Calibri" panose="020F0502020204030204" pitchFamily="34" charset="0"/>
+              </a:rPr>
+              <a:t>).《</a:t>
+            </a:r>
+            <a:r>
+              <a:rPr lang="zh-CN" altLang="en-US" sz="2400" dirty="0">
+                <a:ea typeface="宋体" panose="02010600030101010101" pitchFamily="2" charset="-122"/>
+                <a:cs typeface="Calibri" panose="020F0502020204030204" pitchFamily="34" charset="0"/>
+              </a:rPr>
+              <a:t>顔氏家訓</a:t>
+            </a:r>
+            <a:r>
+              <a:rPr lang="en-US" altLang="zh-CN" sz="2400" dirty="0">
+                <a:ea typeface="宋体" panose="02010600030101010101" pitchFamily="2" charset="-122"/>
+                <a:cs typeface="Calibri" panose="020F0502020204030204" pitchFamily="34" charset="0"/>
+              </a:rPr>
+              <a:t>》"</a:t>
+            </a:r>
+            <a:r>
+              <a:rPr lang="zh-CN" altLang="en-US" sz="2400" dirty="0">
+                <a:ea typeface="宋体" panose="02010600030101010101" pitchFamily="2" charset="-122"/>
+                <a:cs typeface="Calibri" panose="020F0502020204030204" pitchFamily="34" charset="0"/>
+              </a:rPr>
+              <a:t>薑菜</a:t>
+            </a:r>
+            <a:r>
+              <a:rPr lang="en-US" altLang="zh-CN" sz="2400" dirty="0">
+                <a:ea typeface="宋体" panose="02010600030101010101" pitchFamily="2" charset="-122"/>
+                <a:cs typeface="Calibri" panose="020F0502020204030204" pitchFamily="34" charset="0"/>
+              </a:rPr>
+              <a:t>"</a:t>
+            </a:r>
+            <a:r>
+              <a:rPr lang="zh-CN" altLang="en-US" sz="2400" dirty="0">
+                <a:ea typeface="宋体" panose="02010600030101010101" pitchFamily="2" charset="-122"/>
+                <a:cs typeface="Calibri" panose="020F0502020204030204" pitchFamily="34" charset="0"/>
+              </a:rPr>
+              <a:t>該作何解</a:t>
+            </a:r>
+            <a:r>
+              <a:rPr lang="en-US" altLang="zh-CN" sz="2400" dirty="0">
+                <a:ea typeface="宋体" panose="02010600030101010101" pitchFamily="2" charset="-122"/>
+                <a:cs typeface="Calibri" panose="020F0502020204030204" pitchFamily="34" charset="0"/>
+              </a:rPr>
+              <a:t>? [How to Explain </a:t>
+            </a:r>
+            <a:r>
+              <a:rPr lang="en-US" altLang="zh-CN" sz="2400" i="1" dirty="0" err="1">
+                <a:ea typeface="宋体" panose="02010600030101010101" pitchFamily="2" charset="-122"/>
+                <a:cs typeface="Calibri" panose="020F0502020204030204" pitchFamily="34" charset="0"/>
+              </a:rPr>
+              <a:t>Jiangcai</a:t>
+            </a:r>
+            <a:r>
+              <a:rPr lang="zh-CN" altLang="en-US" sz="2400" dirty="0">
+                <a:ea typeface="宋体" panose="02010600030101010101" pitchFamily="2" charset="-122"/>
+                <a:cs typeface="Calibri" panose="020F0502020204030204" pitchFamily="34" charset="0"/>
+              </a:rPr>
+              <a:t>（薑菜）</a:t>
+            </a:r>
+            <a:r>
+              <a:rPr lang="en-US" altLang="zh-CN" sz="2400" dirty="0">
+                <a:ea typeface="宋体" panose="02010600030101010101" pitchFamily="2" charset="-122"/>
+                <a:cs typeface="Calibri" panose="020F0502020204030204" pitchFamily="34" charset="0"/>
+              </a:rPr>
+              <a:t>in </a:t>
+            </a:r>
+            <a:r>
+              <a:rPr lang="en-US" altLang="zh-CN" sz="2400" i="1" dirty="0" err="1">
+                <a:ea typeface="宋体" panose="02010600030101010101" pitchFamily="2" charset="-122"/>
+                <a:cs typeface="Calibri" panose="020F0502020204030204" pitchFamily="34" charset="0"/>
+              </a:rPr>
+              <a:t>Yanshi</a:t>
+            </a:r>
+            <a:r>
+              <a:rPr lang="en-US" altLang="zh-CN" sz="2400" i="1" dirty="0">
+                <a:ea typeface="宋体" panose="02010600030101010101" pitchFamily="2" charset="-122"/>
+                <a:cs typeface="Calibri" panose="020F0502020204030204" pitchFamily="34" charset="0"/>
+              </a:rPr>
+              <a:t> </a:t>
+            </a:r>
+            <a:r>
+              <a:rPr lang="en-US" altLang="zh-CN" sz="2400" i="1" dirty="0" err="1">
+                <a:ea typeface="宋体" panose="02010600030101010101" pitchFamily="2" charset="-122"/>
+                <a:cs typeface="Calibri" panose="020F0502020204030204" pitchFamily="34" charset="0"/>
+              </a:rPr>
+              <a:t>Jiaxun</a:t>
+            </a:r>
+            <a:r>
+              <a:rPr lang="en-US" altLang="zh-CN" sz="2400" i="1" dirty="0">
+                <a:ea typeface="宋体" panose="02010600030101010101" pitchFamily="2" charset="-122"/>
+                <a:cs typeface="Calibri" panose="020F0502020204030204" pitchFamily="34" charset="0"/>
+              </a:rPr>
+              <a:t> </a:t>
+            </a:r>
+            <a:r>
+              <a:rPr lang="zh-CN" altLang="en-US" sz="2400" dirty="0">
+                <a:ea typeface="宋体" panose="02010600030101010101" pitchFamily="2" charset="-122"/>
+                <a:cs typeface="Calibri" panose="020F0502020204030204" pitchFamily="34" charset="0"/>
+              </a:rPr>
+              <a:t>？</a:t>
+            </a:r>
+            <a:r>
+              <a:rPr lang="en-US" altLang="zh-CN" sz="2400" dirty="0">
+                <a:ea typeface="宋体" panose="02010600030101010101" pitchFamily="2" charset="-122"/>
+                <a:cs typeface="Calibri" panose="020F0502020204030204" pitchFamily="34" charset="0"/>
+              </a:rPr>
+              <a:t>].</a:t>
+            </a:r>
+            <a:r>
+              <a:rPr lang="en-US" sz="2400" dirty="0">
+                <a:ea typeface="宋体" panose="02010600030101010101" pitchFamily="2" charset="-122"/>
+                <a:cs typeface="Calibri" panose="020F0502020204030204" pitchFamily="34" charset="0"/>
+              </a:rPr>
+              <a:t> Journal of Chinese Language History</a:t>
+            </a:r>
+            <a:r>
+              <a:rPr lang="en-US" altLang="zh-CN" sz="2400" dirty="0">
+                <a:ea typeface="宋体" panose="02010600030101010101" pitchFamily="2" charset="-122"/>
+                <a:cs typeface="Calibri" panose="020F0502020204030204" pitchFamily="34" charset="0"/>
+              </a:rPr>
+              <a:t>,2021,(1)</a:t>
+            </a:r>
+            <a:r>
+              <a:rPr lang="zh-CN" altLang="en-US" sz="2400" dirty="0">
+                <a:ea typeface="宋体" panose="02010600030101010101" pitchFamily="2" charset="-122"/>
+                <a:cs typeface="Calibri" panose="020F0502020204030204" pitchFamily="34" charset="0"/>
+              </a:rPr>
+              <a:t>：</a:t>
+            </a:r>
+            <a:r>
+              <a:rPr lang="en-US" altLang="zh-CN" sz="2400" dirty="0">
+                <a:ea typeface="宋体" panose="02010600030101010101" pitchFamily="2" charset="-122"/>
+                <a:cs typeface="Calibri" panose="020F0502020204030204" pitchFamily="34" charset="0"/>
+              </a:rPr>
+              <a:t>166-170.</a:t>
+            </a:r>
+          </a:p>
+          <a:p>
+            <a:r>
+              <a:rPr lang="en-US" altLang="zh-CN" sz="2400" dirty="0">
+                <a:ea typeface="宋体" panose="02010600030101010101" pitchFamily="2" charset="-122"/>
+                <a:cs typeface="Calibri" panose="020F0502020204030204" pitchFamily="34" charset="0"/>
+              </a:rPr>
+              <a:t>You, Li (</a:t>
+            </a:r>
+            <a:r>
+              <a:rPr lang="zh-CN" altLang="en-US" sz="2400" dirty="0">
+                <a:ea typeface="宋体" panose="02010600030101010101" pitchFamily="2" charset="-122"/>
+                <a:cs typeface="Calibri" panose="020F0502020204030204" pitchFamily="34" charset="0"/>
+              </a:rPr>
+              <a:t>游黎</a:t>
+            </a:r>
+            <a:r>
+              <a:rPr lang="en-US" altLang="zh-CN" sz="2400" dirty="0">
+                <a:ea typeface="宋体" panose="02010600030101010101" pitchFamily="2" charset="-122"/>
+                <a:cs typeface="Calibri" panose="020F0502020204030204" pitchFamily="34" charset="0"/>
+              </a:rPr>
+              <a:t>).《</a:t>
+            </a:r>
+            <a:r>
+              <a:rPr lang="zh-CN" altLang="en-US" sz="2400" dirty="0">
+                <a:ea typeface="宋体" panose="02010600030101010101" pitchFamily="2" charset="-122"/>
+                <a:cs typeface="Calibri" panose="020F0502020204030204" pitchFamily="34" charset="0"/>
+              </a:rPr>
+              <a:t>颜氏家训</a:t>
+            </a:r>
+            <a:r>
+              <a:rPr lang="en-US" altLang="zh-CN" sz="2400" dirty="0">
+                <a:ea typeface="宋体" panose="02010600030101010101" pitchFamily="2" charset="-122"/>
+                <a:cs typeface="Calibri" panose="020F0502020204030204" pitchFamily="34" charset="0"/>
+              </a:rPr>
+              <a:t>》</a:t>
+            </a:r>
+            <a:r>
+              <a:rPr lang="zh-CN" altLang="en-US" sz="2400" dirty="0">
+                <a:ea typeface="宋体" panose="02010600030101010101" pitchFamily="2" charset="-122"/>
+                <a:cs typeface="Calibri" panose="020F0502020204030204" pitchFamily="34" charset="0"/>
+              </a:rPr>
+              <a:t>语词补释</a:t>
+            </a:r>
+            <a:r>
+              <a:rPr lang="en-US" altLang="zh-CN" sz="2400" dirty="0">
+                <a:ea typeface="宋体" panose="02010600030101010101" pitchFamily="2" charset="-122"/>
+                <a:cs typeface="Calibri" panose="020F0502020204030204" pitchFamily="34" charset="0"/>
+              </a:rPr>
+              <a:t>[Annotation on words in </a:t>
+            </a:r>
+            <a:r>
+              <a:rPr lang="en-US" altLang="zh-CN" sz="2400" i="1" dirty="0" err="1">
+                <a:ea typeface="宋体" panose="02010600030101010101" pitchFamily="2" charset="-122"/>
+                <a:cs typeface="Calibri" panose="020F0502020204030204" pitchFamily="34" charset="0"/>
+              </a:rPr>
+              <a:t>Yanshi</a:t>
+            </a:r>
+            <a:r>
+              <a:rPr lang="en-US" altLang="zh-CN" sz="2400" i="1" dirty="0">
+                <a:ea typeface="宋体" panose="02010600030101010101" pitchFamily="2" charset="-122"/>
+                <a:cs typeface="Calibri" panose="020F0502020204030204" pitchFamily="34" charset="0"/>
+              </a:rPr>
+              <a:t> </a:t>
+            </a:r>
+            <a:r>
+              <a:rPr lang="en-US" altLang="zh-CN" sz="2400" i="1" dirty="0" err="1">
+                <a:ea typeface="宋体" panose="02010600030101010101" pitchFamily="2" charset="-122"/>
+                <a:cs typeface="Calibri" panose="020F0502020204030204" pitchFamily="34" charset="0"/>
+              </a:rPr>
+              <a:t>Jiaxun</a:t>
+            </a:r>
+            <a:r>
+              <a:rPr lang="en-US" altLang="zh-CN" sz="2400" dirty="0">
+                <a:ea typeface="宋体" panose="02010600030101010101" pitchFamily="2" charset="-122"/>
+                <a:cs typeface="Calibri" panose="020F0502020204030204" pitchFamily="34" charset="0"/>
+              </a:rPr>
+              <a:t>].</a:t>
+            </a:r>
+            <a:r>
+              <a:rPr lang="en-US" sz="2400" i="1" dirty="0">
+                <a:ea typeface="宋体" panose="02010600030101010101" pitchFamily="2" charset="-122"/>
+                <a:cs typeface="Calibri" panose="020F0502020204030204" pitchFamily="34" charset="0"/>
+              </a:rPr>
+              <a:t> Journal of Chinese Linguistics</a:t>
+            </a:r>
+            <a:r>
+              <a:rPr lang="en-US" altLang="zh-CN" sz="2400" dirty="0">
+                <a:ea typeface="宋体" panose="02010600030101010101" pitchFamily="2" charset="-122"/>
+                <a:cs typeface="Calibri" panose="020F0502020204030204" pitchFamily="34" charset="0"/>
+              </a:rPr>
+              <a:t>,2017,(6)</a:t>
+            </a:r>
+            <a:r>
+              <a:rPr lang="zh-CN" altLang="en-US" sz="2400" dirty="0">
+                <a:ea typeface="宋体" panose="02010600030101010101" pitchFamily="2" charset="-122"/>
+                <a:cs typeface="Calibri" panose="020F0502020204030204" pitchFamily="34" charset="0"/>
+              </a:rPr>
+              <a:t>：</a:t>
+            </a:r>
+            <a:r>
+              <a:rPr lang="en-US" altLang="zh-CN" sz="2400" dirty="0">
+                <a:ea typeface="宋体" panose="02010600030101010101" pitchFamily="2" charset="-122"/>
+                <a:cs typeface="Calibri" panose="020F0502020204030204" pitchFamily="34" charset="0"/>
+              </a:rPr>
+              <a:t>759-76</a:t>
+            </a:r>
+          </a:p>
+          <a:p>
+            <a:r>
+              <a:rPr lang="en-US" altLang="zh-CN" sz="2400" dirty="0">
+                <a:ea typeface="宋体" panose="02010600030101010101" pitchFamily="2" charset="-122"/>
+                <a:cs typeface="Calibri" panose="020F0502020204030204" pitchFamily="34" charset="0"/>
+              </a:rPr>
+              <a:t>Zhao, </a:t>
+            </a:r>
+            <a:r>
+              <a:rPr lang="en-US" altLang="zh-CN" sz="2400" dirty="0" err="1">
+                <a:ea typeface="宋体" panose="02010600030101010101" pitchFamily="2" charset="-122"/>
+                <a:cs typeface="Calibri" panose="020F0502020204030204" pitchFamily="34" charset="0"/>
+              </a:rPr>
+              <a:t>Jinglian</a:t>
+            </a:r>
+            <a:r>
+              <a:rPr lang="en-US" altLang="zh-CN" sz="2400" dirty="0">
+                <a:ea typeface="宋体" panose="02010600030101010101" pitchFamily="2" charset="-122"/>
+                <a:cs typeface="Calibri" panose="020F0502020204030204" pitchFamily="34" charset="0"/>
+              </a:rPr>
+              <a:t> (</a:t>
+            </a:r>
+            <a:r>
+              <a:rPr lang="zh-CN" altLang="en-US" sz="2400" dirty="0">
+                <a:ea typeface="宋体" panose="02010600030101010101" pitchFamily="2" charset="-122"/>
+                <a:cs typeface="Calibri" panose="020F0502020204030204" pitchFamily="34" charset="0"/>
+              </a:rPr>
+              <a:t>赵静莲</a:t>
+            </a:r>
+            <a:r>
+              <a:rPr lang="en-US" altLang="zh-CN" sz="2400" dirty="0">
+                <a:ea typeface="宋体" panose="02010600030101010101" pitchFamily="2" charset="-122"/>
+                <a:cs typeface="Calibri" panose="020F0502020204030204" pitchFamily="34" charset="0"/>
+              </a:rPr>
+              <a:t>).“</a:t>
+            </a:r>
+            <a:r>
+              <a:rPr lang="zh-CN" altLang="en-US" sz="2400" dirty="0">
+                <a:ea typeface="宋体" panose="02010600030101010101" pitchFamily="2" charset="-122"/>
+                <a:cs typeface="Calibri" panose="020F0502020204030204" pitchFamily="34" charset="0"/>
+              </a:rPr>
+              <a:t>薑</a:t>
+            </a:r>
+            <a:r>
+              <a:rPr lang="en-US" altLang="zh-CN" sz="2400" dirty="0">
+                <a:ea typeface="宋体" panose="02010600030101010101" pitchFamily="2" charset="-122"/>
+                <a:cs typeface="Calibri" panose="020F0502020204030204" pitchFamily="34" charset="0"/>
+              </a:rPr>
+              <a:t>(</a:t>
+            </a:r>
+            <a:r>
+              <a:rPr lang="zh-CN" altLang="en-US" sz="2400" dirty="0">
+                <a:ea typeface="宋体" panose="02010600030101010101" pitchFamily="2" charset="-122"/>
+                <a:cs typeface="Calibri" panose="020F0502020204030204" pitchFamily="34" charset="0"/>
+              </a:rPr>
+              <a:t>壃</a:t>
+            </a:r>
+            <a:r>
+              <a:rPr lang="en-US" altLang="zh-CN" sz="2400" dirty="0">
+                <a:ea typeface="宋体" panose="02010600030101010101" pitchFamily="2" charset="-122"/>
+                <a:cs typeface="Calibri" panose="020F0502020204030204" pitchFamily="34" charset="0"/>
+              </a:rPr>
+              <a:t>)</a:t>
+            </a:r>
+            <a:r>
+              <a:rPr lang="zh-CN" altLang="en-US" sz="2400" dirty="0">
+                <a:ea typeface="宋体" panose="02010600030101010101" pitchFamily="2" charset="-122"/>
+                <a:cs typeface="Calibri" panose="020F0502020204030204" pitchFamily="34" charset="0"/>
+              </a:rPr>
+              <a:t>菜</a:t>
+            </a:r>
+            <a:r>
+              <a:rPr lang="en-US" altLang="zh-CN" sz="2400" dirty="0">
+                <a:ea typeface="宋体" panose="02010600030101010101" pitchFamily="2" charset="-122"/>
+                <a:cs typeface="Calibri" panose="020F0502020204030204" pitchFamily="34" charset="0"/>
+              </a:rPr>
+              <a:t>” </a:t>
+            </a:r>
+            <a:r>
+              <a:rPr lang="zh-CN" altLang="en-US" sz="2400" dirty="0">
+                <a:ea typeface="宋体" panose="02010600030101010101" pitchFamily="2" charset="-122"/>
+                <a:cs typeface="Calibri" panose="020F0502020204030204" pitchFamily="34" charset="0"/>
+              </a:rPr>
+              <a:t>辨</a:t>
+            </a:r>
+            <a:r>
+              <a:rPr lang="en-US" altLang="zh-CN" sz="2400" dirty="0">
+                <a:ea typeface="宋体" panose="02010600030101010101" pitchFamily="2" charset="-122"/>
+                <a:cs typeface="Calibri" panose="020F0502020204030204" pitchFamily="34" charset="0"/>
+              </a:rPr>
+              <a:t>[Reinterpretation of </a:t>
+            </a:r>
+            <a:r>
+              <a:rPr lang="en-US" altLang="zh-CN" sz="2400" i="1" dirty="0" err="1">
+                <a:ea typeface="宋体" panose="02010600030101010101" pitchFamily="2" charset="-122"/>
+                <a:cs typeface="Calibri" panose="020F0502020204030204" pitchFamily="34" charset="0"/>
+              </a:rPr>
+              <a:t>jiangcai</a:t>
+            </a:r>
+            <a:r>
+              <a:rPr lang="en-US" altLang="zh-CN" sz="2400" dirty="0">
+                <a:ea typeface="宋体" panose="02010600030101010101" pitchFamily="2" charset="-122"/>
+                <a:cs typeface="Calibri" panose="020F0502020204030204" pitchFamily="34" charset="0"/>
+              </a:rPr>
+              <a:t>].</a:t>
+            </a:r>
+            <a:r>
+              <a:rPr lang="zh-CN" altLang="en-US" sz="2400" dirty="0">
+                <a:ea typeface="宋体" panose="02010600030101010101" pitchFamily="2" charset="-122"/>
+                <a:cs typeface="Calibri" panose="020F0502020204030204" pitchFamily="34" charset="0"/>
+              </a:rPr>
+              <a:t> </a:t>
+            </a:r>
+            <a:r>
+              <a:rPr lang="en-US" sz="2400" i="1" dirty="0">
+                <a:ea typeface="宋体" panose="02010600030101010101" pitchFamily="2" charset="-122"/>
+                <a:cs typeface="Calibri" panose="020F0502020204030204" pitchFamily="34" charset="0"/>
+              </a:rPr>
+              <a:t>Journal of Chinese Linguistics</a:t>
+            </a:r>
+            <a:r>
+              <a:rPr lang="en-US" altLang="zh-CN" sz="2400" dirty="0">
+                <a:ea typeface="宋体" panose="02010600030101010101" pitchFamily="2" charset="-122"/>
+                <a:cs typeface="Calibri" panose="020F0502020204030204" pitchFamily="34" charset="0"/>
+              </a:rPr>
+              <a:t>,2020,(2)</a:t>
+            </a:r>
+            <a:r>
+              <a:rPr lang="zh-CN" altLang="en-US" sz="2400" dirty="0">
+                <a:ea typeface="宋体" panose="02010600030101010101" pitchFamily="2" charset="-122"/>
+                <a:cs typeface="Calibri" panose="020F0502020204030204" pitchFamily="34" charset="0"/>
+              </a:rPr>
+              <a:t>：</a:t>
+            </a:r>
+            <a:r>
+              <a:rPr lang="en-US" altLang="zh-CN" sz="2400" dirty="0">
+                <a:ea typeface="宋体" panose="02010600030101010101" pitchFamily="2" charset="-122"/>
+                <a:cs typeface="Calibri" panose="020F0502020204030204" pitchFamily="34" charset="0"/>
+              </a:rPr>
+              <a:t>238-240.</a:t>
+            </a:r>
+            <a:endParaRPr lang="en-US" sz="2400" dirty="0">
+              <a:ea typeface="宋体" panose="02010600030101010101" pitchFamily="2" charset="-122"/>
+              <a:cs typeface="Calibri" panose="020F0502020204030204" pitchFamily="34" charset="0"/>
+            </a:endParaRPr>
+          </a:p>
+        </p:txBody>
+      </p:sp>
+      <p:sp>
+        <p:nvSpPr>
+          <p:cNvPr id="4" name="灯片编号占位符 3">
+            <a:extLst>
+              <a:ext uri="{FF2B5EF4-FFF2-40B4-BE49-F238E27FC236}">
+                <a16:creationId xmlns:a16="http://schemas.microsoft.com/office/drawing/2014/main" id="{31EA4C19-A2FA-4EF1-B7C6-8B78A360426E}"/>
+              </a:ext>
+            </a:extLst>
+          </p:cNvPr>
+          <p:cNvSpPr>
+            <a:spLocks noGrp="1"/>
+          </p:cNvSpPr>
+          <p:nvPr>
+            <p:ph type="sldNum" sz="quarter" idx="12"/>
+          </p:nvPr>
+        </p:nvSpPr>
+        <p:spPr/>
+        <p:txBody>
+          <a:bodyPr/>
+          <a:lstStyle/>
+          <a:p>
+            <a:fld id="{2FF645F2-2BCF-43E8-82A0-F1B53C34D3C8}" type="slidenum">
+              <a:rPr lang="en-US" smtClean="0"/>
+              <a:t>41</a:t>
+            </a:fld>
+            <a:endParaRPr lang="en-US"/>
+          </a:p>
+        </p:txBody>
+      </p:sp>
+    </p:spTree>
+    <p:extLst>
+      <p:ext uri="{BB962C8B-B14F-4D97-AF65-F5344CB8AC3E}">
+        <p14:creationId xmlns:p14="http://schemas.microsoft.com/office/powerpoint/2010/main" val="2762022565"/>
+      </p:ext>
+    </p:extLst>
+  </p:cSld>
+  <p:clrMapOvr>
+    <a:masterClrMapping/>
+  </p:clrMapOvr>
+</p:sld>
+</file>
+
+<file path=ppt/slides/slide42.xml><?xml version="1.0" encoding="utf-8"?>
+<p:sld xmlns:a="http://schemas.openxmlformats.org/drawingml/2006/main" xmlns:r="http://schemas.openxmlformats.org/officeDocument/2006/relationships" xmlns:p="http://schemas.openxmlformats.org/presentationml/2006/main">
+  <p:cSld>
+    <p:spTree>
+      <p:nvGrpSpPr>
+        <p:cNvPr id="1" name=""/>
+        <p:cNvGrpSpPr/>
+        <p:nvPr/>
+      </p:nvGrpSpPr>
+      <p:grpSpPr>
+        <a:xfrm>
+          <a:off x="0" y="0"/>
+          <a:ext cx="0" cy="0"/>
+          <a:chOff x="0" y="0"/>
+          <a:chExt cx="0" cy="0"/>
+        </a:xfrm>
+      </p:grpSpPr>
+      <p:sp>
+        <p:nvSpPr>
           <p:cNvPr id="3" name="内容占位符 2">
             <a:extLst>
               <a:ext uri="{FF2B5EF4-FFF2-40B4-BE49-F238E27FC236}">
@@ -13123,7 +13513,7 @@
           <a:p>
             <a:fld id="{2FF645F2-2BCF-43E8-82A0-F1B53C34D3C8}" type="slidenum">
               <a:rPr lang="en-US" smtClean="0"/>
-              <a:t>41</a:t>
+              <a:t>42</a:t>
             </a:fld>
             <a:endParaRPr lang="en-US"/>
           </a:p>
